--- a/storyboard_6_15.pptx
+++ b/storyboard_6_15.pptx
@@ -11,7 +11,8 @@
     <p:sldId id="258" r:id="rId5"/>
     <p:sldId id="259" r:id="rId6"/>
     <p:sldId id="260" r:id="rId7"/>
-    <p:sldId id="262" r:id="rId8"/>
+    <p:sldId id="264" r:id="rId8"/>
+    <p:sldId id="262" r:id="rId9"/>
   </p:sldIdLst>
   <p:sldSz cx="12192000" cy="6858000"/>
   <p:notesSz cx="6858000" cy="9144000"/>
@@ -265,7 +266,7 @@
           <a:p>
             <a:fld id="{443FEB56-2E53-4CCD-BC29-4ACE7932AAAB}" type="datetimeFigureOut">
               <a:rPr lang="en-US" smtClean="0"/>
-              <a:t>6/22/2021</a:t>
+              <a:t>7/7/2021</a:t>
             </a:fld>
             <a:endParaRPr lang="en-US"/>
           </a:p>
@@ -463,7 +464,7 @@
           <a:p>
             <a:fld id="{443FEB56-2E53-4CCD-BC29-4ACE7932AAAB}" type="datetimeFigureOut">
               <a:rPr lang="en-US" smtClean="0"/>
-              <a:t>6/22/2021</a:t>
+              <a:t>7/7/2021</a:t>
             </a:fld>
             <a:endParaRPr lang="en-US"/>
           </a:p>
@@ -671,7 +672,7 @@
           <a:p>
             <a:fld id="{443FEB56-2E53-4CCD-BC29-4ACE7932AAAB}" type="datetimeFigureOut">
               <a:rPr lang="en-US" smtClean="0"/>
-              <a:t>6/22/2021</a:t>
+              <a:t>7/7/2021</a:t>
             </a:fld>
             <a:endParaRPr lang="en-US"/>
           </a:p>
@@ -869,7 +870,7 @@
           <a:p>
             <a:fld id="{443FEB56-2E53-4CCD-BC29-4ACE7932AAAB}" type="datetimeFigureOut">
               <a:rPr lang="en-US" smtClean="0"/>
-              <a:t>6/22/2021</a:t>
+              <a:t>7/7/2021</a:t>
             </a:fld>
             <a:endParaRPr lang="en-US"/>
           </a:p>
@@ -1144,7 +1145,7 @@
           <a:p>
             <a:fld id="{443FEB56-2E53-4CCD-BC29-4ACE7932AAAB}" type="datetimeFigureOut">
               <a:rPr lang="en-US" smtClean="0"/>
-              <a:t>6/22/2021</a:t>
+              <a:t>7/7/2021</a:t>
             </a:fld>
             <a:endParaRPr lang="en-US"/>
           </a:p>
@@ -1409,7 +1410,7 @@
           <a:p>
             <a:fld id="{443FEB56-2E53-4CCD-BC29-4ACE7932AAAB}" type="datetimeFigureOut">
               <a:rPr lang="en-US" smtClean="0"/>
-              <a:t>6/22/2021</a:t>
+              <a:t>7/7/2021</a:t>
             </a:fld>
             <a:endParaRPr lang="en-US"/>
           </a:p>
@@ -1821,7 +1822,7 @@
           <a:p>
             <a:fld id="{443FEB56-2E53-4CCD-BC29-4ACE7932AAAB}" type="datetimeFigureOut">
               <a:rPr lang="en-US" smtClean="0"/>
-              <a:t>6/22/2021</a:t>
+              <a:t>7/7/2021</a:t>
             </a:fld>
             <a:endParaRPr lang="en-US"/>
           </a:p>
@@ -1962,7 +1963,7 @@
           <a:p>
             <a:fld id="{443FEB56-2E53-4CCD-BC29-4ACE7932AAAB}" type="datetimeFigureOut">
               <a:rPr lang="en-US" smtClean="0"/>
-              <a:t>6/22/2021</a:t>
+              <a:t>7/7/2021</a:t>
             </a:fld>
             <a:endParaRPr lang="en-US"/>
           </a:p>
@@ -2075,7 +2076,7 @@
           <a:p>
             <a:fld id="{443FEB56-2E53-4CCD-BC29-4ACE7932AAAB}" type="datetimeFigureOut">
               <a:rPr lang="en-US" smtClean="0"/>
-              <a:t>6/22/2021</a:t>
+              <a:t>7/7/2021</a:t>
             </a:fld>
             <a:endParaRPr lang="en-US"/>
           </a:p>
@@ -2386,7 +2387,7 @@
           <a:p>
             <a:fld id="{443FEB56-2E53-4CCD-BC29-4ACE7932AAAB}" type="datetimeFigureOut">
               <a:rPr lang="en-US" smtClean="0"/>
-              <a:t>6/22/2021</a:t>
+              <a:t>7/7/2021</a:t>
             </a:fld>
             <a:endParaRPr lang="en-US"/>
           </a:p>
@@ -2674,7 +2675,7 @@
           <a:p>
             <a:fld id="{443FEB56-2E53-4CCD-BC29-4ACE7932AAAB}" type="datetimeFigureOut">
               <a:rPr lang="en-US" smtClean="0"/>
-              <a:t>6/22/2021</a:t>
+              <a:t>7/7/2021</a:t>
             </a:fld>
             <a:endParaRPr lang="en-US"/>
           </a:p>
@@ -2915,7 +2916,7 @@
           <a:p>
             <a:fld id="{443FEB56-2E53-4CCD-BC29-4ACE7932AAAB}" type="datetimeFigureOut">
               <a:rPr lang="en-US" smtClean="0"/>
-              <a:t>6/22/2021</a:t>
+              <a:t>7/7/2021</a:t>
             </a:fld>
             <a:endParaRPr lang="en-US"/>
           </a:p>
@@ -3479,14 +3480,18 @@
             </a:r>
             <a:r>
               <a:rPr lang="en-US" dirty="0"/>
-              <a:t> uncertainties in gas exchange, particularly from big rivers</a:t>
+              <a:t> uncertainties in gas exchange</a:t>
             </a:r>
             <a:endParaRPr lang="en-US" i="1" dirty="0"/>
           </a:p>
           <a:p>
             <a:r>
+              <a:rPr lang="en-US" u="sng" dirty="0"/>
+              <a:t>Mechanistic:</a:t>
+            </a:r>
+            <a:r>
               <a:rPr lang="en-US" dirty="0"/>
-              <a:t>Many existing scaling relationships for river </a:t>
+              <a:t> Many existing scaling relationships for river </a:t>
             </a:r>
             <a:r>
               <a:rPr lang="en-US" i="1" dirty="0"/>
@@ -3627,11 +3632,27 @@
               </a:rPr>
               <a:t> 2019]</a:t>
             </a:r>
-          </a:p>
-          <a:p>
             <a:r>
               <a:rPr lang="en-US" dirty="0"/>
-              <a:t>Current tools to predict k are fundamentally limited by the resolution and uncertainty in their hydrology inputs</a:t>
+              <a:t>. K~Q relationships also break down in big rivers</a:t>
+            </a:r>
+            <a:r>
+              <a:rPr lang="en-US" dirty="0">
+                <a:solidFill>
+                  <a:srgbClr val="C00000"/>
+                </a:solidFill>
+              </a:rPr>
+              <a:t> [Wang eta 2021]</a:t>
+            </a:r>
+          </a:p>
+          <a:p>
+            <a:r>
+              <a:rPr lang="en-US" u="sng" dirty="0"/>
+              <a:t>Methodological:</a:t>
+            </a:r>
+            <a:r>
+              <a:rPr lang="en-US" dirty="0"/>
+              <a:t> Current tools to predict k are fundamentally limited by the resolution and uncertainty in their hydrology inputs, especially in ungauged settings</a:t>
             </a:r>
           </a:p>
           <a:p>
@@ -3783,7 +3804,7 @@
             <a:pPr lvl="1"/>
             <a:r>
               <a:rPr lang="en-US" dirty="0"/>
-              <a:t>Meaning there is no additional diffusion of turbulent energy from the bed to the surface and the bed is effectively decoupled from the surface (turbulence-wise)</a:t>
+              <a:t>This means there is no additional diffusion of turbulent energy from the bed to the surface and the bed is effectively decoupled from the surface (turbulence-wise)</a:t>
             </a:r>
           </a:p>
           <a:p>
@@ -3838,6 +3859,52 @@
           <a:chExt cx="0" cy="0"/>
         </a:xfrm>
       </p:grpSpPr>
+      <p:sp>
+        <p:nvSpPr>
+          <p:cNvPr id="25" name="Rectangle 24">
+            <a:extLst>
+              <a:ext uri="{FF2B5EF4-FFF2-40B4-BE49-F238E27FC236}">
+                <a16:creationId xmlns:a16="http://schemas.microsoft.com/office/drawing/2014/main" id="{D4351A4F-0E07-4FD8-8BF0-760DE81B9D42}"/>
+              </a:ext>
+            </a:extLst>
+          </p:cNvPr>
+          <p:cNvSpPr/>
+          <p:nvPr/>
+        </p:nvSpPr>
+        <p:spPr>
+          <a:xfrm rot="925807">
+            <a:off x="-73376" y="4084666"/>
+            <a:ext cx="4412511" cy="183569"/>
+          </a:xfrm>
+          <a:prstGeom prst="rect">
+            <a:avLst/>
+          </a:prstGeom>
+        </p:spPr>
+        <p:style>
+          <a:lnRef idx="2">
+            <a:schemeClr val="dk1">
+              <a:shade val="50000"/>
+            </a:schemeClr>
+          </a:lnRef>
+          <a:fillRef idx="1">
+            <a:schemeClr val="dk1"/>
+          </a:fillRef>
+          <a:effectRef idx="0">
+            <a:schemeClr val="dk1"/>
+          </a:effectRef>
+          <a:fontRef idx="minor">
+            <a:schemeClr val="lt1"/>
+          </a:fontRef>
+        </p:style>
+        <p:txBody>
+          <a:bodyPr rtlCol="0" anchor="ctr"/>
+          <a:lstStyle/>
+          <a:p>
+            <a:pPr algn="ctr"/>
+            <a:endParaRPr lang="en-US"/>
+          </a:p>
+        </p:txBody>
+      </p:sp>
       <p:sp>
         <p:nvSpPr>
           <p:cNvPr id="2" name="Title 1">
@@ -4180,7 +4247,7 @@
         </p:nvSpPr>
         <p:spPr>
           <a:xfrm>
-            <a:off x="8005894" y="2373996"/>
+            <a:off x="9979328" y="2424637"/>
             <a:ext cx="1535185" cy="923330"/>
           </a:xfrm>
           <a:prstGeom prst="rect">
@@ -4221,7 +4288,7 @@
         </p:nvSpPr>
         <p:spPr>
           <a:xfrm>
-            <a:off x="9669711" y="2339541"/>
+            <a:off x="7924021" y="2372887"/>
             <a:ext cx="1535185" cy="923330"/>
           </a:xfrm>
           <a:prstGeom prst="rect">
@@ -4394,8 +4461,8 @@
         </p:nvCxnSpPr>
         <p:spPr>
           <a:xfrm flipH="1" flipV="1">
-            <a:off x="8208627" y="1920096"/>
-            <a:ext cx="2042021" cy="453900"/>
+            <a:off x="8208628" y="1920096"/>
+            <a:ext cx="2020713" cy="493434"/>
           </a:xfrm>
           <a:prstGeom prst="straightConnector1">
             <a:avLst/>
@@ -4489,7 +4556,7 @@
         </p:nvSpPr>
         <p:spPr>
           <a:xfrm>
-            <a:off x="8255907" y="3276664"/>
+            <a:off x="10229341" y="3327305"/>
             <a:ext cx="1338394" cy="646331"/>
           </a:xfrm>
           <a:prstGeom prst="rect">
@@ -4539,13 +4606,14 @@
           </p:cNvPr>
           <p:cNvCxnSpPr>
             <a:cxnSpLocks/>
+            <a:endCxn id="37" idx="0"/>
           </p:cNvCxnSpPr>
           <p:nvPr/>
         </p:nvCxnSpPr>
         <p:spPr>
-          <a:xfrm>
-            <a:off x="8773486" y="3902333"/>
-            <a:ext cx="0" cy="997081"/>
+          <a:xfrm flipH="1">
+            <a:off x="8873453" y="4032840"/>
+            <a:ext cx="1957306" cy="637027"/>
           </a:xfrm>
           <a:prstGeom prst="straightConnector1">
             <a:avLst/>
@@ -4572,225 +4640,6 @@
           </a:fontRef>
         </p:style>
       </p:cxnSp>
-      <mc:AlternateContent xmlns:mc="http://schemas.openxmlformats.org/markup-compatibility/2006" xmlns:a14="http://schemas.microsoft.com/office/drawing/2010/main">
-        <mc:Choice Requires="a14">
-          <p:sp>
-            <p:nvSpPr>
-              <p:cNvPr id="28" name="TextBox 27">
-                <a:extLst>
-                  <a:ext uri="{FF2B5EF4-FFF2-40B4-BE49-F238E27FC236}">
-                    <a16:creationId xmlns:a16="http://schemas.microsoft.com/office/drawing/2014/main" id="{7C154A6B-8316-4E79-9AF5-3D02EEDAD723}"/>
-                  </a:ext>
-                </a:extLst>
-              </p:cNvPr>
-              <p:cNvSpPr txBox="1"/>
-              <p:nvPr/>
-            </p:nvSpPr>
-            <p:spPr>
-              <a:xfrm>
-                <a:off x="5740166" y="6203789"/>
-                <a:ext cx="2188828" cy="369332"/>
-              </a:xfrm>
-              <a:prstGeom prst="rect">
-                <a:avLst/>
-              </a:prstGeom>
-              <a:noFill/>
-            </p:spPr>
-            <p:txBody>
-              <a:bodyPr wrap="square">
-                <a:spAutoFit/>
-              </a:bodyPr>
-              <a:lstStyle/>
-              <a:p>
-                <a:pPr/>
-                <a14:m>
-                  <m:oMathPara xmlns:m="http://schemas.openxmlformats.org/officeDocument/2006/math">
-                    <m:oMathParaPr>
-                      <m:jc m:val="centerGroup"/>
-                    </m:oMathParaPr>
-                    <m:oMath xmlns:m="http://schemas.openxmlformats.org/officeDocument/2006/math">
-                      <m:sSub>
-                        <m:sSubPr>
-                          <m:ctrlPr>
-                            <a:rPr lang="en-US" b="0" i="1" smtClean="0">
-                              <a:solidFill>
-                                <a:schemeClr val="accent6">
-                                  <a:lumMod val="50000"/>
-                                </a:schemeClr>
-                              </a:solidFill>
-                              <a:latin typeface="Cambria Math" panose="02040503050406030204" pitchFamily="18" charset="0"/>
-                              <a:ea typeface="Cambria Math" panose="02040503050406030204" pitchFamily="18" charset="0"/>
-                            </a:rPr>
-                          </m:ctrlPr>
-                        </m:sSubPr>
-                        <m:e>
-                          <m:r>
-                            <a:rPr lang="en-US" b="0" i="1" smtClean="0">
-                              <a:solidFill>
-                                <a:schemeClr val="accent6">
-                                  <a:lumMod val="50000"/>
-                                </a:schemeClr>
-                              </a:solidFill>
-                              <a:latin typeface="Cambria Math" panose="02040503050406030204" pitchFamily="18" charset="0"/>
-                              <a:ea typeface="Cambria Math" panose="02040503050406030204" pitchFamily="18" charset="0"/>
-                            </a:rPr>
-                            <m:t>𝜀</m:t>
-                          </m:r>
-                        </m:e>
-                        <m:sub>
-                          <m:r>
-                            <a:rPr lang="en-US" b="0" i="1" smtClean="0">
-                              <a:solidFill>
-                                <a:schemeClr val="accent6">
-                                  <a:lumMod val="50000"/>
-                                </a:schemeClr>
-                              </a:solidFill>
-                              <a:latin typeface="Cambria Math" panose="02040503050406030204" pitchFamily="18" charset="0"/>
-                              <a:ea typeface="Cambria Math" panose="02040503050406030204" pitchFamily="18" charset="0"/>
-                            </a:rPr>
-                            <m:t>𝐷</m:t>
-                          </m:r>
-                        </m:sub>
-                      </m:sSub>
-                      <m:r>
-                        <a:rPr lang="en-US" i="1">
-                          <a:solidFill>
-                            <a:schemeClr val="accent6">
-                              <a:lumMod val="50000"/>
-                            </a:schemeClr>
-                          </a:solidFill>
-                          <a:latin typeface="Cambria Math" panose="02040503050406030204" pitchFamily="18" charset="0"/>
-                          <a:ea typeface="Cambria Math" panose="02040503050406030204" pitchFamily="18" charset="0"/>
-                        </a:rPr>
-                        <m:t>≈</m:t>
-                      </m:r>
-                      <m:r>
-                        <a:rPr lang="en-US" b="0" i="1" smtClean="0">
-                          <a:solidFill>
-                            <a:schemeClr val="accent6">
-                              <a:lumMod val="50000"/>
-                            </a:schemeClr>
-                          </a:solidFill>
-                          <a:latin typeface="Cambria Math" panose="02040503050406030204" pitchFamily="18" charset="0"/>
-                          <a:ea typeface="Cambria Math" panose="02040503050406030204" pitchFamily="18" charset="0"/>
-                        </a:rPr>
-                        <m:t>𝑔𝑆𝑈</m:t>
-                      </m:r>
-                      <m:r>
-                        <a:rPr lang="en-US" b="0" i="0" smtClean="0">
-                          <a:solidFill>
-                            <a:schemeClr val="accent6">
-                              <a:lumMod val="50000"/>
-                            </a:schemeClr>
-                          </a:solidFill>
-                          <a:latin typeface="Cambria Math" panose="02040503050406030204" pitchFamily="18" charset="0"/>
-                          <a:ea typeface="Cambria Math" panose="02040503050406030204" pitchFamily="18" charset="0"/>
-                        </a:rPr>
-                        <m:t>≫ </m:t>
-                      </m:r>
-                      <m:sSub>
-                        <m:sSubPr>
-                          <m:ctrlPr>
-                            <a:rPr lang="en-US" b="0" i="1" smtClean="0">
-                              <a:solidFill>
-                                <a:schemeClr val="accent6">
-                                  <a:lumMod val="50000"/>
-                                </a:schemeClr>
-                              </a:solidFill>
-                              <a:latin typeface="Cambria Math" panose="02040503050406030204" pitchFamily="18" charset="0"/>
-                              <a:ea typeface="Cambria Math" panose="02040503050406030204" pitchFamily="18" charset="0"/>
-                            </a:rPr>
-                          </m:ctrlPr>
-                        </m:sSubPr>
-                        <m:e>
-                          <m:r>
-                            <m:rPr>
-                              <m:sty m:val="p"/>
-                            </m:rPr>
-                            <a:rPr lang="el-GR" b="0" i="1" smtClean="0">
-                              <a:solidFill>
-                                <a:schemeClr val="accent6">
-                                  <a:lumMod val="50000"/>
-                                </a:schemeClr>
-                              </a:solidFill>
-                              <a:latin typeface="Cambria Math" panose="02040503050406030204" pitchFamily="18" charset="0"/>
-                              <a:ea typeface="Cambria Math" panose="02040503050406030204" pitchFamily="18" charset="0"/>
-                            </a:rPr>
-                            <m:t>ε</m:t>
-                          </m:r>
-                        </m:e>
-                        <m:sub>
-                          <m:r>
-                            <a:rPr lang="en-US" b="0" i="1" smtClean="0">
-                              <a:solidFill>
-                                <a:schemeClr val="accent6">
-                                  <a:lumMod val="50000"/>
-                                </a:schemeClr>
-                              </a:solidFill>
-                              <a:latin typeface="Cambria Math" panose="02040503050406030204" pitchFamily="18" charset="0"/>
-                              <a:ea typeface="Cambria Math" panose="02040503050406030204" pitchFamily="18" charset="0"/>
-                            </a:rPr>
-                            <m:t>𝑠</m:t>
-                          </m:r>
-                        </m:sub>
-                      </m:sSub>
-                    </m:oMath>
-                  </m:oMathPara>
-                </a14:m>
-                <a:endParaRPr lang="en-US" dirty="0">
-                  <a:solidFill>
-                    <a:srgbClr val="C00000"/>
-                  </a:solidFill>
-                </a:endParaRPr>
-              </a:p>
-            </p:txBody>
-          </p:sp>
-        </mc:Choice>
-        <mc:Fallback xmlns="">
-          <p:sp>
-            <p:nvSpPr>
-              <p:cNvPr id="28" name="TextBox 27">
-                <a:extLst>
-                  <a:ext uri="{FF2B5EF4-FFF2-40B4-BE49-F238E27FC236}">
-                    <a16:creationId xmlns:a16="http://schemas.microsoft.com/office/drawing/2014/main" id="{7C154A6B-8316-4E79-9AF5-3D02EEDAD723}"/>
-                  </a:ext>
-                </a:extLst>
-              </p:cNvPr>
-              <p:cNvSpPr txBox="1">
-                <a:spLocks noRot="1" noChangeAspect="1" noMove="1" noResize="1" noEditPoints="1" noAdjustHandles="1" noChangeArrowheads="1" noChangeShapeType="1" noTextEdit="1"/>
-              </p:cNvSpPr>
-              <p:nvPr/>
-            </p:nvSpPr>
-            <p:spPr>
-              <a:xfrm>
-                <a:off x="5740166" y="6203789"/>
-                <a:ext cx="2188828" cy="369332"/>
-              </a:xfrm>
-              <a:prstGeom prst="rect">
-                <a:avLst/>
-              </a:prstGeom>
-              <a:blipFill>
-                <a:blip r:embed="rId3"/>
-                <a:stretch>
-                  <a:fillRect b="-13333"/>
-                </a:stretch>
-              </a:blipFill>
-            </p:spPr>
-            <p:txBody>
-              <a:bodyPr/>
-              <a:lstStyle/>
-              <a:p>
-                <a:r>
-                  <a:rPr lang="en-US">
-                    <a:noFill/>
-                  </a:rPr>
-                  <a:t> </a:t>
-                </a:r>
-              </a:p>
-            </p:txBody>
-          </p:sp>
-        </mc:Fallback>
-      </mc:AlternateContent>
       <p:cxnSp>
         <p:nvCxnSpPr>
           <p:cNvPr id="30" name="Straight Connector 29">
@@ -4807,86 +4656,8 @@
         </p:nvCxnSpPr>
         <p:spPr>
           <a:xfrm rot="912292">
-            <a:off x="226503" y="2499919"/>
+            <a:off x="137654" y="2625304"/>
             <a:ext cx="4269996" cy="0"/>
-          </a:xfrm>
-          <a:prstGeom prst="line">
-            <a:avLst/>
-          </a:prstGeom>
-          <a:ln w="38100"/>
-        </p:spPr>
-        <p:style>
-          <a:lnRef idx="1">
-            <a:schemeClr val="accent1"/>
-          </a:lnRef>
-          <a:fillRef idx="0">
-            <a:schemeClr val="accent1"/>
-          </a:fillRef>
-          <a:effectRef idx="0">
-            <a:schemeClr val="accent1"/>
-          </a:effectRef>
-          <a:fontRef idx="minor">
-            <a:schemeClr val="tx1"/>
-          </a:fontRef>
-        </p:style>
-      </p:cxnSp>
-      <p:cxnSp>
-        <p:nvCxnSpPr>
-          <p:cNvPr id="31" name="Straight Connector 30">
-            <a:extLst>
-              <a:ext uri="{FF2B5EF4-FFF2-40B4-BE49-F238E27FC236}">
-                <a16:creationId xmlns:a16="http://schemas.microsoft.com/office/drawing/2014/main" id="{23B57A15-8FEE-49CD-B610-7511EC466013}"/>
-              </a:ext>
-            </a:extLst>
-          </p:cNvPr>
-          <p:cNvCxnSpPr>
-            <a:cxnSpLocks/>
-          </p:cNvCxnSpPr>
-          <p:nvPr/>
-        </p:nvCxnSpPr>
-        <p:spPr>
-          <a:xfrm>
-            <a:off x="73548" y="3623204"/>
-            <a:ext cx="4178253" cy="1158466"/>
-          </a:xfrm>
-          <a:prstGeom prst="line">
-            <a:avLst/>
-          </a:prstGeom>
-          <a:ln w="38100"/>
-        </p:spPr>
-        <p:style>
-          <a:lnRef idx="1">
-            <a:schemeClr val="accent1"/>
-          </a:lnRef>
-          <a:fillRef idx="0">
-            <a:schemeClr val="accent1"/>
-          </a:fillRef>
-          <a:effectRef idx="0">
-            <a:schemeClr val="accent1"/>
-          </a:effectRef>
-          <a:fontRef idx="minor">
-            <a:schemeClr val="tx1"/>
-          </a:fontRef>
-        </p:style>
-      </p:cxnSp>
-      <p:cxnSp>
-        <p:nvCxnSpPr>
-          <p:cNvPr id="32" name="Straight Connector 31">
-            <a:extLst>
-              <a:ext uri="{FF2B5EF4-FFF2-40B4-BE49-F238E27FC236}">
-                <a16:creationId xmlns:a16="http://schemas.microsoft.com/office/drawing/2014/main" id="{A0942674-3227-43D1-96A0-6DC453C557E8}"/>
-              </a:ext>
-            </a:extLst>
-          </p:cNvPr>
-          <p:cNvCxnSpPr>
-            <a:cxnSpLocks/>
-          </p:cNvCxnSpPr>
-          <p:nvPr/>
-        </p:nvCxnSpPr>
-        <p:spPr>
-          <a:xfrm>
-            <a:off x="-20458" y="3729788"/>
-            <a:ext cx="4253752" cy="1169626"/>
           </a:xfrm>
           <a:prstGeom prst="line">
             <a:avLst/>
@@ -4922,7 +4693,7 @@
         </p:nvSpPr>
         <p:spPr>
           <a:xfrm rot="11712292">
-            <a:off x="2248250" y="2338549"/>
+            <a:off x="2159401" y="2463934"/>
             <a:ext cx="226502" cy="125642"/>
           </a:xfrm>
           <a:prstGeom prst="triangle">
@@ -5298,8 +5069,8 @@
           </a:fontRef>
         </p:style>
       </p:cxnSp>
-      <mc:AlternateContent xmlns:mc="http://schemas.openxmlformats.org/markup-compatibility/2006" xmlns:a14="http://schemas.microsoft.com/office/drawing/2010/main">
-        <mc:Choice Requires="a14">
+      <mc:AlternateContent xmlns:mc="http://schemas.openxmlformats.org/markup-compatibility/2006">
+        <mc:Choice xmlns:a14="http://schemas.microsoft.com/office/drawing/2010/main" Requires="a14">
           <p:sp>
             <p:nvSpPr>
               <p:cNvPr id="72" name="TextBox 71">
@@ -5314,7 +5085,7 @@
             </p:nvSpPr>
             <p:spPr>
               <a:xfrm>
-                <a:off x="-20458" y="4975874"/>
+                <a:off x="-20458" y="5161182"/>
                 <a:ext cx="4829253" cy="1384995"/>
               </a:xfrm>
               <a:prstGeom prst="rect">
@@ -5357,7 +5128,7 @@
             </p:txBody>
           </p:sp>
         </mc:Choice>
-        <mc:Fallback xmlns="">
+        <mc:Fallback>
           <p:sp>
             <p:nvSpPr>
               <p:cNvPr id="72" name="TextBox 71">
@@ -5374,7 +5145,7 @@
             </p:nvSpPr>
             <p:spPr>
               <a:xfrm>
-                <a:off x="-20458" y="4975874"/>
+                <a:off x="-20458" y="5161182"/>
                 <a:ext cx="4829253" cy="1384995"/>
               </a:xfrm>
               <a:prstGeom prst="rect">
@@ -5383,7 +5154,7 @@
               <a:blipFill>
                 <a:blip r:embed="rId7"/>
                 <a:stretch>
-                  <a:fillRect l="-2652" t="-3965" b="-11894"/>
+                  <a:fillRect l="-2652" t="-4405" b="-11894"/>
                 </a:stretch>
               </a:blipFill>
             </p:spPr>
@@ -5457,7 +5228,7 @@
         </p:nvSpPr>
         <p:spPr>
           <a:xfrm>
-            <a:off x="9869999" y="3234777"/>
+            <a:off x="8124309" y="3268123"/>
             <a:ext cx="1436966" cy="923330"/>
           </a:xfrm>
           <a:prstGeom prst="rect">
@@ -5498,8 +5269,8 @@
         </p:nvSpPr>
         <p:spPr>
           <a:xfrm>
-            <a:off x="5717096" y="4860118"/>
-            <a:ext cx="6312714" cy="1200329"/>
+            <a:off x="5717096" y="4669867"/>
+            <a:ext cx="6312714" cy="1477328"/>
           </a:xfrm>
           <a:prstGeom prst="rect">
             <a:avLst/>
@@ -5518,7 +5289,7 @@
                   <a:srgbClr val="385723"/>
                 </a:solidFill>
               </a:rPr>
-              <a:t>Rivers are unique among aquatic environments in that stream power/downslope flow dissipates energy in greater quantities than from bottom friction alone, which is the classical model in lakes and oceans </a:t>
+              <a:t>Rivers are unique among aquatic environments in that stream power/downslope flow dissipates energy in far greater quantities than from bottom friction alone </a:t>
             </a:r>
             <a:r>
               <a:rPr lang="en-US" dirty="0">
@@ -5560,10 +5331,108 @@
               </a:rPr>
               <a:t> 2012]</a:t>
             </a:r>
-            <a:endParaRPr lang="en-US" dirty="0"/>
+            <a:r>
+              <a:rPr lang="en-US" dirty="0">
+                <a:solidFill>
+                  <a:srgbClr val="385723"/>
+                </a:solidFill>
+              </a:rPr>
+              <a:t>, which is the classical model in lakes and oceans </a:t>
+            </a:r>
+            <a:r>
+              <a:rPr lang="en-US" sz="1800" dirty="0">
+                <a:solidFill>
+                  <a:srgbClr val="C00000"/>
+                </a:solidFill>
+              </a:rPr>
+              <a:t>[</a:t>
+            </a:r>
+            <a:r>
+              <a:rPr lang="en-US" sz="1800" dirty="0" err="1">
+                <a:solidFill>
+                  <a:srgbClr val="C00000"/>
+                </a:solidFill>
+              </a:rPr>
+              <a:t>Lorke</a:t>
+            </a:r>
+            <a:r>
+              <a:rPr lang="en-US" sz="1800" dirty="0">
+                <a:solidFill>
+                  <a:srgbClr val="C00000"/>
+                </a:solidFill>
+              </a:rPr>
+              <a:t> &amp; </a:t>
+            </a:r>
+            <a:r>
+              <a:rPr lang="en-US" sz="1800" dirty="0" err="1">
+                <a:solidFill>
+                  <a:srgbClr val="C00000"/>
+                </a:solidFill>
+              </a:rPr>
+              <a:t>Peeters</a:t>
+            </a:r>
+            <a:r>
+              <a:rPr lang="en-US" sz="1800" dirty="0">
+                <a:solidFill>
+                  <a:srgbClr val="C00000"/>
+                </a:solidFill>
+              </a:rPr>
+              <a:t>, 2006]</a:t>
+            </a:r>
+            <a:r>
+              <a:rPr lang="en-US" dirty="0">
+                <a:solidFill>
+                  <a:srgbClr val="385723"/>
+                </a:solidFill>
+              </a:rPr>
+              <a:t> which don’t have classical advection.</a:t>
+            </a:r>
           </a:p>
         </p:txBody>
       </p:sp>
+      <p:cxnSp>
+        <p:nvCxnSpPr>
+          <p:cNvPr id="38" name="Straight Connector 37">
+            <a:extLst>
+              <a:ext uri="{FF2B5EF4-FFF2-40B4-BE49-F238E27FC236}">
+                <a16:creationId xmlns:a16="http://schemas.microsoft.com/office/drawing/2014/main" id="{F679EFE2-541A-407C-BB1E-04D76CAE31F2}"/>
+              </a:ext>
+            </a:extLst>
+          </p:cNvPr>
+          <p:cNvCxnSpPr>
+            <a:cxnSpLocks/>
+          </p:cNvCxnSpPr>
+          <p:nvPr/>
+        </p:nvCxnSpPr>
+        <p:spPr>
+          <a:xfrm>
+            <a:off x="0" y="4858130"/>
+            <a:ext cx="4251801" cy="41284"/>
+          </a:xfrm>
+          <a:prstGeom prst="line">
+            <a:avLst/>
+          </a:prstGeom>
+          <a:ln w="38100">
+            <a:solidFill>
+              <a:schemeClr val="tx1"/>
+            </a:solidFill>
+          </a:ln>
+        </p:spPr>
+        <p:style>
+          <a:lnRef idx="1">
+            <a:schemeClr val="accent1"/>
+          </a:lnRef>
+          <a:fillRef idx="0">
+            <a:schemeClr val="accent1"/>
+          </a:fillRef>
+          <a:effectRef idx="0">
+            <a:schemeClr val="accent1"/>
+          </a:effectRef>
+          <a:fontRef idx="minor">
+            <a:schemeClr val="tx1"/>
+          </a:fontRef>
+        </p:style>
+      </p:cxnSp>
     </p:spTree>
     <p:extLst>
       <p:ext uri="{BB962C8B-B14F-4D97-AF65-F5344CB8AC3E}">
@@ -5644,7 +5513,7 @@
             <p:spPr>
               <a:xfrm>
                 <a:off x="59378" y="1128537"/>
-                <a:ext cx="3932340" cy="1513812"/>
+                <a:ext cx="3932340" cy="1905650"/>
               </a:xfrm>
               <a:prstGeom prst="rect">
                 <a:avLst/>
@@ -5948,6 +5817,106 @@
                 <a:endParaRPr lang="en-US" dirty="0"/>
               </a:p>
               <a:p>
+                <a:r>
+                  <a:rPr lang="en-US" dirty="0"/>
+                  <a:t>4) </a:t>
+                </a:r>
+                <a14:m>
+                  <m:oMath xmlns:m="http://schemas.openxmlformats.org/officeDocument/2006/math">
+                    <m:r>
+                      <a:rPr lang="en-US" b="0" i="1" smtClean="0">
+                        <a:latin typeface="Cambria Math" panose="02040503050406030204" pitchFamily="18" charset="0"/>
+                      </a:rPr>
+                      <m:t>𝐺</m:t>
+                    </m:r>
+                    <m:r>
+                      <a:rPr lang="en-US" b="0" i="1" smtClean="0">
+                        <a:latin typeface="Cambria Math" panose="02040503050406030204" pitchFamily="18" charset="0"/>
+                      </a:rPr>
+                      <m:t>=</m:t>
+                    </m:r>
+                    <m:sSub>
+                      <m:sSubPr>
+                        <m:ctrlPr>
+                          <a:rPr lang="en-US" b="0" i="1" smtClean="0">
+                            <a:latin typeface="Cambria Math" panose="02040503050406030204" pitchFamily="18" charset="0"/>
+                            <a:ea typeface="Cambria Math" panose="02040503050406030204" pitchFamily="18" charset="0"/>
+                          </a:rPr>
+                        </m:ctrlPr>
+                      </m:sSubPr>
+                      <m:e>
+                        <m:r>
+                          <a:rPr lang="en-US" b="0" i="1" smtClean="0">
+                            <a:latin typeface="Cambria Math" panose="02040503050406030204" pitchFamily="18" charset="0"/>
+                            <a:ea typeface="Cambria Math" panose="02040503050406030204" pitchFamily="18" charset="0"/>
+                          </a:rPr>
+                          <m:t>𝜀</m:t>
+                        </m:r>
+                      </m:e>
+                      <m:sub>
+                        <m:r>
+                          <a:rPr lang="en-US" b="0" i="1" smtClean="0">
+                            <a:latin typeface="Cambria Math" panose="02040503050406030204" pitchFamily="18" charset="0"/>
+                            <a:ea typeface="Cambria Math" panose="02040503050406030204" pitchFamily="18" charset="0"/>
+                          </a:rPr>
+                          <m:t>𝐷</m:t>
+                        </m:r>
+                      </m:sub>
+                    </m:sSub>
+                    <m:f>
+                      <m:fPr>
+                        <m:ctrlPr>
+                          <a:rPr lang="en-US" i="1">
+                            <a:latin typeface="Cambria Math" panose="02040503050406030204" pitchFamily="18" charset="0"/>
+                            <a:ea typeface="Cambria Math" panose="02040503050406030204" pitchFamily="18" charset="0"/>
+                          </a:rPr>
+                        </m:ctrlPr>
+                      </m:fPr>
+                      <m:num>
+                        <m:sSub>
+                          <m:sSubPr>
+                            <m:ctrlPr>
+                              <a:rPr lang="en-US" i="1">
+                                <a:latin typeface="Cambria Math" panose="02040503050406030204" pitchFamily="18" charset="0"/>
+                                <a:ea typeface="Cambria Math" panose="02040503050406030204" pitchFamily="18" charset="0"/>
+                              </a:rPr>
+                            </m:ctrlPr>
+                          </m:sSubPr>
+                          <m:e>
+                            <m:r>
+                              <a:rPr lang="en-US" i="1">
+                                <a:latin typeface="Cambria Math" panose="02040503050406030204" pitchFamily="18" charset="0"/>
+                                <a:ea typeface="Cambria Math" panose="02040503050406030204" pitchFamily="18" charset="0"/>
+                              </a:rPr>
+                              <m:t>𝑅</m:t>
+                            </m:r>
+                          </m:e>
+                          <m:sub>
+                            <m:r>
+                              <a:rPr lang="en-US" i="1">
+                                <a:latin typeface="Cambria Math" panose="02040503050406030204" pitchFamily="18" charset="0"/>
+                                <a:ea typeface="Cambria Math" panose="02040503050406030204" pitchFamily="18" charset="0"/>
+                              </a:rPr>
+                              <m:t>h</m:t>
+                            </m:r>
+                          </m:sub>
+                        </m:sSub>
+                      </m:num>
+                      <m:den>
+                        <m:r>
+                          <a:rPr lang="en-US" i="1">
+                            <a:latin typeface="Cambria Math" panose="02040503050406030204" pitchFamily="18" charset="0"/>
+                            <a:ea typeface="Cambria Math" panose="02040503050406030204" pitchFamily="18" charset="0"/>
+                          </a:rPr>
+                          <m:t>𝐻</m:t>
+                        </m:r>
+                      </m:den>
+                    </m:f>
+                  </m:oMath>
+                </a14:m>
+                <a:endParaRPr lang="en-US" dirty="0"/>
+              </a:p>
+              <a:p>
                 <a:endParaRPr lang="en-US" dirty="0"/>
               </a:p>
             </p:txBody>
@@ -5971,7 +5940,7 @@
             <p:spPr>
               <a:xfrm>
                 <a:off x="59378" y="1128537"/>
-                <a:ext cx="3932340" cy="1513812"/>
+                <a:ext cx="3932340" cy="1905650"/>
               </a:xfrm>
               <a:prstGeom prst="rect">
                 <a:avLst/>
@@ -5979,7 +5948,7 @@
               <a:blipFill>
                 <a:blip r:embed="rId2"/>
                 <a:stretch>
-                  <a:fillRect l="-4496" t="-32661" b="-8468"/>
+                  <a:fillRect l="-4496" t="-25879"/>
                 </a:stretch>
               </a:blipFill>
             </p:spPr>
@@ -6014,8 +5983,8 @@
             </p:nvSpPr>
             <p:spPr>
               <a:xfrm>
-                <a:off x="607313" y="2698960"/>
-                <a:ext cx="1585519" cy="369332"/>
+                <a:off x="351149" y="3124923"/>
+                <a:ext cx="1585519" cy="2308324"/>
               </a:xfrm>
               <a:prstGeom prst="rect">
                 <a:avLst/>
@@ -6135,6 +6104,37 @@
                   </a:solidFill>
                 </a:endParaRPr>
               </a:p>
+              <a:p>
+                <a:pPr/>
+                <a:r>
+                  <a:rPr lang="en-US" dirty="0"/>
+                  <a:t>‘depth-scale form drag’ or stream power per unit weight water </a:t>
+                </a:r>
+                <a:r>
+                  <a:rPr lang="en-US" dirty="0">
+                    <a:solidFill>
+                      <a:srgbClr val="C00000"/>
+                    </a:solidFill>
+                  </a:rPr>
+                  <a:t>[Moog &amp; </a:t>
+                </a:r>
+                <a:r>
+                  <a:rPr lang="en-US" dirty="0" err="1">
+                    <a:solidFill>
+                      <a:srgbClr val="C00000"/>
+                    </a:solidFill>
+                  </a:rPr>
+                  <a:t>Jirka</a:t>
+                </a:r>
+                <a:r>
+                  <a:rPr lang="en-US" dirty="0">
+                    <a:solidFill>
+                      <a:srgbClr val="C00000"/>
+                    </a:solidFill>
+                  </a:rPr>
+                  <a:t> 1999]</a:t>
+                </a:r>
+              </a:p>
             </p:txBody>
           </p:sp>
         </mc:Choice>
@@ -6155,8 +6155,8 @@
             </p:nvSpPr>
             <p:spPr>
               <a:xfrm>
-                <a:off x="607313" y="2698960"/>
-                <a:ext cx="1585519" cy="369332"/>
+                <a:off x="351149" y="3124923"/>
+                <a:ext cx="1585519" cy="2308324"/>
               </a:xfrm>
               <a:prstGeom prst="rect">
                 <a:avLst/>
@@ -6164,7 +6164,7 @@
               <a:blipFill>
                 <a:blip r:embed="rId3"/>
                 <a:stretch>
-                  <a:fillRect b="-13333"/>
+                  <a:fillRect l="-3462" b="-3439"/>
                 </a:stretch>
               </a:blipFill>
             </p:spPr>
@@ -6199,7 +6199,7 @@
         </p:nvCxnSpPr>
         <p:spPr>
           <a:xfrm>
-            <a:off x="1115272" y="2345596"/>
+            <a:off x="999863" y="2717619"/>
             <a:ext cx="0" cy="372023"/>
           </a:xfrm>
           <a:prstGeom prst="straightConnector1">
@@ -6241,7 +6241,7 @@
             <p:spPr>
               <a:xfrm>
                 <a:off x="5493909" y="882816"/>
-                <a:ext cx="6613864" cy="1477328"/>
+                <a:ext cx="6613864" cy="1754326"/>
               </a:xfrm>
               <a:prstGeom prst="rect">
                 <a:avLst/>
@@ -6302,7 +6302,7 @@
                 </a14:m>
                 <a:r>
                   <a:rPr lang="en-US" u="sng" dirty="0"/>
-                  <a:t>, there is no longer any influence of the bed on surface turbulence (and presumably k).</a:t>
+                  <a:t>, there is no longer any influence of the bed on surface turbulence, i.e. Td goes to zero</a:t>
                 </a:r>
               </a:p>
               <a:p>
@@ -6311,7 +6311,7 @@
               <a:p>
                 <a:r>
                   <a:rPr lang="en-US" u="sng" dirty="0"/>
-                  <a:t>The system is in equilibrium: production=dissipation or </a:t>
+                  <a:t>The system is in equilibrium: production=dissipation=stream power or </a:t>
                 </a:r>
                 <a14:m>
                   <m:oMath xmlns:m="http://schemas.openxmlformats.org/officeDocument/2006/math">
@@ -6395,7 +6395,7 @@
             <p:spPr>
               <a:xfrm>
                 <a:off x="5493909" y="882816"/>
-                <a:ext cx="6613864" cy="1477328"/>
+                <a:ext cx="6613864" cy="1754326"/>
               </a:xfrm>
               <a:prstGeom prst="rect">
                 <a:avLst/>
@@ -6403,7 +6403,7 @@
               <a:blipFill>
                 <a:blip r:embed="rId4"/>
                 <a:stretch>
-                  <a:fillRect l="-737" t="-2479" r="-922" b="-5785"/>
+                  <a:fillRect l="-737" t="-2083" r="-1475" b="-4514"/>
                 </a:stretch>
               </a:blipFill>
             </p:spPr>
@@ -6524,6 +6524,124 @@
           </a:prstGeom>
         </p:spPr>
       </p:pic>
+      <p:sp>
+        <p:nvSpPr>
+          <p:cNvPr id="2" name="TextBox 1">
+            <a:extLst>
+              <a:ext uri="{FF2B5EF4-FFF2-40B4-BE49-F238E27FC236}">
+                <a16:creationId xmlns:a16="http://schemas.microsoft.com/office/drawing/2014/main" id="{CFE4FB02-8BD8-4FD0-BB91-254D5F8AE21C}"/>
+              </a:ext>
+            </a:extLst>
+          </p:cNvPr>
+          <p:cNvSpPr txBox="1"/>
+          <p:nvPr/>
+        </p:nvSpPr>
+        <p:spPr>
+          <a:xfrm>
+            <a:off x="4856085" y="5680578"/>
+            <a:ext cx="1713482" cy="369332"/>
+          </a:xfrm>
+          <a:prstGeom prst="rect">
+            <a:avLst/>
+          </a:prstGeom>
+          <a:noFill/>
+        </p:spPr>
+        <p:txBody>
+          <a:bodyPr wrap="none" rtlCol="0">
+            <a:spAutoFit/>
+          </a:bodyPr>
+          <a:lstStyle/>
+          <a:p>
+            <a:r>
+              <a:rPr lang="en-US" dirty="0" err="1">
+                <a:solidFill>
+                  <a:srgbClr val="BEAED4"/>
+                </a:solidFill>
+              </a:rPr>
+              <a:t>Ulseth</a:t>
+            </a:r>
+            <a:r>
+              <a:rPr lang="en-US" dirty="0">
+                <a:solidFill>
+                  <a:srgbClr val="BEAED4"/>
+                </a:solidFill>
+              </a:rPr>
+              <a:t> </a:t>
+            </a:r>
+            <a:r>
+              <a:rPr lang="en-US" dirty="0" err="1">
+                <a:solidFill>
+                  <a:srgbClr val="BEAED4"/>
+                </a:solidFill>
+              </a:rPr>
+              <a:t>etal</a:t>
+            </a:r>
+            <a:r>
+              <a:rPr lang="en-US" dirty="0">
+                <a:solidFill>
+                  <a:srgbClr val="BEAED4"/>
+                </a:solidFill>
+              </a:rPr>
+              <a:t> 2019</a:t>
+            </a:r>
+          </a:p>
+        </p:txBody>
+      </p:sp>
+      <p:sp>
+        <p:nvSpPr>
+          <p:cNvPr id="11" name="TextBox 10">
+            <a:extLst>
+              <a:ext uri="{FF2B5EF4-FFF2-40B4-BE49-F238E27FC236}">
+                <a16:creationId xmlns:a16="http://schemas.microsoft.com/office/drawing/2014/main" id="{892520F9-F2D3-4E53-BEB7-D37252A74794}"/>
+              </a:ext>
+            </a:extLst>
+          </p:cNvPr>
+          <p:cNvSpPr txBox="1"/>
+          <p:nvPr/>
+        </p:nvSpPr>
+        <p:spPr>
+          <a:xfrm>
+            <a:off x="4856085" y="5415435"/>
+            <a:ext cx="2165080" cy="369332"/>
+          </a:xfrm>
+          <a:prstGeom prst="rect">
+            <a:avLst/>
+          </a:prstGeom>
+          <a:noFill/>
+        </p:spPr>
+        <p:txBody>
+          <a:bodyPr wrap="none" rtlCol="0">
+            <a:spAutoFit/>
+          </a:bodyPr>
+          <a:lstStyle/>
+          <a:p>
+            <a:r>
+              <a:rPr lang="en-US" dirty="0">
+                <a:solidFill>
+                  <a:srgbClr val="7FC97F"/>
+                </a:solidFill>
+              </a:rPr>
+              <a:t>Brinkerhoff </a:t>
+            </a:r>
+            <a:r>
+              <a:rPr lang="en-US" dirty="0" err="1">
+                <a:solidFill>
+                  <a:srgbClr val="7FC97F"/>
+                </a:solidFill>
+              </a:rPr>
+              <a:t>etal</a:t>
+            </a:r>
+            <a:r>
+              <a:rPr lang="en-US" dirty="0">
+                <a:solidFill>
+                  <a:srgbClr val="7FC97F"/>
+                </a:solidFill>
+              </a:rPr>
+              <a:t> 2019</a:t>
+            </a:r>
+          </a:p>
+        </p:txBody>
+      </p:sp>
     </p:spTree>
     <p:extLst>
       <p:ext uri="{BB962C8B-B14F-4D97-AF65-F5344CB8AC3E}">
@@ -6602,7 +6720,7 @@
         </p:nvSpPr>
         <p:spPr>
           <a:xfrm>
-            <a:off x="838200" y="0"/>
+            <a:off x="270029" y="-47514"/>
             <a:ext cx="10515600" cy="1325563"/>
           </a:xfrm>
         </p:spPr>
@@ -6612,7 +6730,7 @@
           <a:p>
             <a:r>
               <a:rPr lang="en-US" dirty="0"/>
-              <a:t>Advancing k scaling in large rivers</a:t>
+              <a:t>Implications for k scaling in large rivers</a:t>
             </a:r>
           </a:p>
         </p:txBody>
@@ -6633,7 +6751,7 @@
             </p:nvSpPr>
             <p:spPr>
               <a:xfrm>
-                <a:off x="146245" y="2328353"/>
+                <a:off x="110944" y="1210227"/>
                 <a:ext cx="4196475" cy="3046988"/>
               </a:xfrm>
               <a:prstGeom prst="rect">
@@ -6709,7 +6827,7 @@
                 </a:r>
                 <a:r>
                   <a:rPr lang="en-US" sz="2400" dirty="0"/>
-                  <a:t> explain why performance is so much better than just using stream power (</a:t>
+                  <a:t> explain why their performance is so much better than just using stream power (</a:t>
                 </a:r>
                 <a:r>
                   <a:rPr lang="en-US" sz="2400" dirty="0" err="1"/>
@@ -6762,6 +6880,938 @@
                     </m:r>
                   </m:oMath>
                 </a14:m>
+                <a:r>
+                  <a:rPr lang="en-US" sz="2400" dirty="0"/>
+                  <a:t>.</a:t>
+                </a:r>
+              </a:p>
+            </p:txBody>
+          </p:sp>
+        </mc:Choice>
+        <mc:Fallback>
+          <p:sp>
+            <p:nvSpPr>
+              <p:cNvPr id="5" name="TextBox 4">
+                <a:extLst>
+                  <a:ext uri="{FF2B5EF4-FFF2-40B4-BE49-F238E27FC236}">
+                    <a16:creationId xmlns:a16="http://schemas.microsoft.com/office/drawing/2014/main" id="{0BA868CF-01BA-4A4F-9C2C-1F19F2A1ACE6}"/>
+                  </a:ext>
+                </a:extLst>
+              </p:cNvPr>
+              <p:cNvSpPr txBox="1">
+                <a:spLocks noRot="1" noChangeAspect="1" noMove="1" noResize="1" noEditPoints="1" noAdjustHandles="1" noChangeArrowheads="1" noChangeShapeType="1" noTextEdit="1"/>
+              </p:cNvSpPr>
+              <p:nvPr/>
+            </p:nvSpPr>
+            <p:spPr>
+              <a:xfrm>
+                <a:off x="110944" y="1210227"/>
+                <a:ext cx="4196475" cy="3046988"/>
+              </a:xfrm>
+              <a:prstGeom prst="rect">
+                <a:avLst/>
+              </a:prstGeom>
+              <a:blipFill>
+                <a:blip r:embed="rId3"/>
+                <a:stretch>
+                  <a:fillRect l="-2177" t="-1603" r="-3048" b="-3808"/>
+                </a:stretch>
+              </a:blipFill>
+            </p:spPr>
+            <p:txBody>
+              <a:bodyPr/>
+              <a:lstStyle/>
+              <a:p>
+                <a:r>
+                  <a:rPr lang="en-US">
+                    <a:noFill/>
+                  </a:rPr>
+                  <a:t> </a:t>
+                </a:r>
+              </a:p>
+            </p:txBody>
+          </p:sp>
+        </mc:Fallback>
+      </mc:AlternateContent>
+      <mc:AlternateContent xmlns:mc="http://schemas.openxmlformats.org/markup-compatibility/2006" xmlns:a14="http://schemas.microsoft.com/office/drawing/2010/main">
+        <mc:Choice Requires="a14">
+          <p:sp>
+            <p:nvSpPr>
+              <p:cNvPr id="10" name="TextBox 9">
+                <a:extLst>
+                  <a:ext uri="{FF2B5EF4-FFF2-40B4-BE49-F238E27FC236}">
+                    <a16:creationId xmlns:a16="http://schemas.microsoft.com/office/drawing/2014/main" id="{2A39817A-A17C-4791-B4D0-CD09D009FE32}"/>
+                  </a:ext>
+                </a:extLst>
+              </p:cNvPr>
+              <p:cNvSpPr txBox="1"/>
+              <p:nvPr/>
+            </p:nvSpPr>
+            <p:spPr>
+              <a:xfrm>
+                <a:off x="4966631" y="979395"/>
+                <a:ext cx="1405158" cy="461665"/>
+              </a:xfrm>
+              <a:prstGeom prst="rect">
+                <a:avLst/>
+              </a:prstGeom>
+              <a:solidFill>
+                <a:schemeClr val="bg1"/>
+              </a:solidFill>
+            </p:spPr>
+            <p:txBody>
+              <a:bodyPr wrap="square">
+                <a:spAutoFit/>
+              </a:bodyPr>
+              <a:lstStyle/>
+              <a:p>
+                <a:pPr/>
+                <a14:m>
+                  <m:oMathPara xmlns:m="http://schemas.openxmlformats.org/officeDocument/2006/math">
+                    <m:oMathParaPr>
+                      <m:jc m:val="centerGroup"/>
+                    </m:oMathParaPr>
+                    <m:oMath xmlns:m="http://schemas.openxmlformats.org/officeDocument/2006/math">
+                      <m:sSub>
+                        <m:sSubPr>
+                          <m:ctrlPr>
+                            <a:rPr lang="en-US" sz="2400" b="0" i="1" smtClean="0">
+                              <a:solidFill>
+                                <a:srgbClr val="00B0F0"/>
+                              </a:solidFill>
+                              <a:latin typeface="Cambria Math" panose="02040503050406030204" pitchFamily="18" charset="0"/>
+                            </a:rPr>
+                          </m:ctrlPr>
+                        </m:sSubPr>
+                        <m:e>
+                          <m:r>
+                            <a:rPr lang="en-US" sz="2400" b="0" i="1" smtClean="0">
+                              <a:solidFill>
+                                <a:srgbClr val="00B0F0"/>
+                              </a:solidFill>
+                              <a:latin typeface="Cambria Math" panose="02040503050406030204" pitchFamily="18" charset="0"/>
+                            </a:rPr>
+                            <m:t>𝑅</m:t>
+                          </m:r>
+                        </m:e>
+                        <m:sub>
+                          <m:r>
+                            <a:rPr lang="en-US" sz="2400" b="0" i="1" smtClean="0">
+                              <a:solidFill>
+                                <a:srgbClr val="00B0F0"/>
+                              </a:solidFill>
+                              <a:latin typeface="Cambria Math" panose="02040503050406030204" pitchFamily="18" charset="0"/>
+                            </a:rPr>
+                            <m:t>h</m:t>
+                          </m:r>
+                        </m:sub>
+                      </m:sSub>
+                      <m:r>
+                        <a:rPr lang="en-US" sz="2400" b="0" i="1" smtClean="0">
+                          <a:solidFill>
+                            <a:srgbClr val="00B0F0"/>
+                          </a:solidFill>
+                          <a:latin typeface="Cambria Math" panose="02040503050406030204" pitchFamily="18" charset="0"/>
+                        </a:rPr>
+                        <m:t>=</m:t>
+                      </m:r>
+                      <m:r>
+                        <a:rPr lang="en-US" sz="2400" b="0" i="1" smtClean="0">
+                          <a:solidFill>
+                            <a:srgbClr val="00B0F0"/>
+                          </a:solidFill>
+                          <a:latin typeface="Cambria Math" panose="02040503050406030204" pitchFamily="18" charset="0"/>
+                          <a:ea typeface="Cambria Math" panose="02040503050406030204" pitchFamily="18" charset="0"/>
+                        </a:rPr>
+                        <m:t>𝐻</m:t>
+                      </m:r>
+                    </m:oMath>
+                  </m:oMathPara>
+                </a14:m>
+                <a:endParaRPr lang="en-US" sz="2400" dirty="0">
+                  <a:solidFill>
+                    <a:srgbClr val="00B0F0"/>
+                  </a:solidFill>
+                </a:endParaRPr>
+              </a:p>
+            </p:txBody>
+          </p:sp>
+        </mc:Choice>
+        <mc:Fallback xmlns="">
+          <p:sp>
+            <p:nvSpPr>
+              <p:cNvPr id="10" name="TextBox 9">
+                <a:extLst>
+                  <a:ext uri="{FF2B5EF4-FFF2-40B4-BE49-F238E27FC236}">
+                    <a16:creationId xmlns:a16="http://schemas.microsoft.com/office/drawing/2014/main" id="{2A39817A-A17C-4791-B4D0-CD09D009FE32}"/>
+                  </a:ext>
+                </a:extLst>
+              </p:cNvPr>
+              <p:cNvSpPr txBox="1">
+                <a:spLocks noRot="1" noChangeAspect="1" noMove="1" noResize="1" noEditPoints="1" noAdjustHandles="1" noChangeArrowheads="1" noChangeShapeType="1" noTextEdit="1"/>
+              </p:cNvSpPr>
+              <p:nvPr/>
+            </p:nvSpPr>
+            <p:spPr>
+              <a:xfrm>
+                <a:off x="4966631" y="979395"/>
+                <a:ext cx="1405158" cy="461665"/>
+              </a:xfrm>
+              <a:prstGeom prst="rect">
+                <a:avLst/>
+              </a:prstGeom>
+              <a:blipFill>
+                <a:blip r:embed="rId4"/>
+                <a:stretch>
+                  <a:fillRect b="-2667"/>
+                </a:stretch>
+              </a:blipFill>
+            </p:spPr>
+            <p:txBody>
+              <a:bodyPr/>
+              <a:lstStyle/>
+              <a:p>
+                <a:r>
+                  <a:rPr lang="en-US">
+                    <a:noFill/>
+                  </a:rPr>
+                  <a:t> </a:t>
+                </a:r>
+              </a:p>
+            </p:txBody>
+          </p:sp>
+        </mc:Fallback>
+      </mc:AlternateContent>
+      <mc:AlternateContent xmlns:mc="http://schemas.openxmlformats.org/markup-compatibility/2006" xmlns:a14="http://schemas.microsoft.com/office/drawing/2010/main">
+        <mc:Choice Requires="a14">
+          <p:sp>
+            <p:nvSpPr>
+              <p:cNvPr id="11" name="TextBox 10">
+                <a:extLst>
+                  <a:ext uri="{FF2B5EF4-FFF2-40B4-BE49-F238E27FC236}">
+                    <a16:creationId xmlns:a16="http://schemas.microsoft.com/office/drawing/2014/main" id="{4107DB73-58A0-4640-BD66-91A60F6C9852}"/>
+                  </a:ext>
+                </a:extLst>
+              </p:cNvPr>
+              <p:cNvSpPr txBox="1"/>
+              <p:nvPr/>
+            </p:nvSpPr>
+            <p:spPr>
+              <a:xfrm>
+                <a:off x="8772705" y="887293"/>
+                <a:ext cx="1210113" cy="461665"/>
+              </a:xfrm>
+              <a:prstGeom prst="rect">
+                <a:avLst/>
+              </a:prstGeom>
+              <a:solidFill>
+                <a:schemeClr val="bg1"/>
+              </a:solidFill>
+            </p:spPr>
+            <p:txBody>
+              <a:bodyPr wrap="square">
+                <a:spAutoFit/>
+              </a:bodyPr>
+              <a:lstStyle/>
+              <a:p>
+                <a:pPr/>
+                <a14:m>
+                  <m:oMathPara xmlns:m="http://schemas.openxmlformats.org/officeDocument/2006/math">
+                    <m:oMathParaPr>
+                      <m:jc m:val="centerGroup"/>
+                    </m:oMathParaPr>
+                    <m:oMath xmlns:m="http://schemas.openxmlformats.org/officeDocument/2006/math">
+                      <m:sSub>
+                        <m:sSubPr>
+                          <m:ctrlPr>
+                            <a:rPr lang="en-US" sz="2400" b="0" i="1" smtClean="0">
+                              <a:solidFill>
+                                <a:srgbClr val="00B0F0"/>
+                              </a:solidFill>
+                              <a:latin typeface="Cambria Math" panose="02040503050406030204" pitchFamily="18" charset="0"/>
+                            </a:rPr>
+                          </m:ctrlPr>
+                        </m:sSubPr>
+                        <m:e>
+                          <m:r>
+                            <a:rPr lang="en-US" sz="2400" b="0" i="1" smtClean="0">
+                              <a:solidFill>
+                                <a:srgbClr val="00B0F0"/>
+                              </a:solidFill>
+                              <a:latin typeface="Cambria Math" panose="02040503050406030204" pitchFamily="18" charset="0"/>
+                            </a:rPr>
+                            <m:t>𝑅</m:t>
+                          </m:r>
+                        </m:e>
+                        <m:sub>
+                          <m:r>
+                            <a:rPr lang="en-US" sz="2400" b="0" i="1" smtClean="0">
+                              <a:solidFill>
+                                <a:srgbClr val="00B0F0"/>
+                              </a:solidFill>
+                              <a:latin typeface="Cambria Math" panose="02040503050406030204" pitchFamily="18" charset="0"/>
+                            </a:rPr>
+                            <m:t>h</m:t>
+                          </m:r>
+                        </m:sub>
+                      </m:sSub>
+                      <m:r>
+                        <a:rPr lang="en-US" sz="2400" b="0" i="1" smtClean="0">
+                          <a:solidFill>
+                            <a:srgbClr val="00B0F0"/>
+                          </a:solidFill>
+                          <a:latin typeface="Cambria Math" panose="02040503050406030204" pitchFamily="18" charset="0"/>
+                        </a:rPr>
+                        <m:t>=</m:t>
+                      </m:r>
+                      <m:r>
+                        <a:rPr lang="en-US" sz="2400" b="0" i="1" smtClean="0">
+                          <a:solidFill>
+                            <a:srgbClr val="00B0F0"/>
+                          </a:solidFill>
+                          <a:latin typeface="Cambria Math" panose="02040503050406030204" pitchFamily="18" charset="0"/>
+                          <a:ea typeface="Cambria Math" panose="02040503050406030204" pitchFamily="18" charset="0"/>
+                        </a:rPr>
+                        <m:t>𝐻</m:t>
+                      </m:r>
+                    </m:oMath>
+                  </m:oMathPara>
+                </a14:m>
+                <a:endParaRPr lang="en-US" sz="2400" dirty="0">
+                  <a:solidFill>
+                    <a:srgbClr val="00B0F0"/>
+                  </a:solidFill>
+                </a:endParaRPr>
+              </a:p>
+            </p:txBody>
+          </p:sp>
+        </mc:Choice>
+        <mc:Fallback xmlns="">
+          <p:sp>
+            <p:nvSpPr>
+              <p:cNvPr id="11" name="TextBox 10">
+                <a:extLst>
+                  <a:ext uri="{FF2B5EF4-FFF2-40B4-BE49-F238E27FC236}">
+                    <a16:creationId xmlns:a16="http://schemas.microsoft.com/office/drawing/2014/main" id="{4107DB73-58A0-4640-BD66-91A60F6C9852}"/>
+                  </a:ext>
+                </a:extLst>
+              </p:cNvPr>
+              <p:cNvSpPr txBox="1">
+                <a:spLocks noRot="1" noChangeAspect="1" noMove="1" noResize="1" noEditPoints="1" noAdjustHandles="1" noChangeArrowheads="1" noChangeShapeType="1" noTextEdit="1"/>
+              </p:cNvSpPr>
+              <p:nvPr/>
+            </p:nvSpPr>
+            <p:spPr>
+              <a:xfrm>
+                <a:off x="8772705" y="887293"/>
+                <a:ext cx="1210113" cy="461665"/>
+              </a:xfrm>
+              <a:prstGeom prst="rect">
+                <a:avLst/>
+              </a:prstGeom>
+              <a:blipFill>
+                <a:blip r:embed="rId5"/>
+                <a:stretch>
+                  <a:fillRect b="-2667"/>
+                </a:stretch>
+              </a:blipFill>
+            </p:spPr>
+            <p:txBody>
+              <a:bodyPr/>
+              <a:lstStyle/>
+              <a:p>
+                <a:r>
+                  <a:rPr lang="en-US">
+                    <a:noFill/>
+                  </a:rPr>
+                  <a:t> </a:t>
+                </a:r>
+              </a:p>
+            </p:txBody>
+          </p:sp>
+        </mc:Fallback>
+      </mc:AlternateContent>
+      <mc:AlternateContent xmlns:mc="http://schemas.openxmlformats.org/markup-compatibility/2006" xmlns:a14="http://schemas.microsoft.com/office/drawing/2010/main">
+        <mc:Choice Requires="a14">
+          <p:sp>
+            <p:nvSpPr>
+              <p:cNvPr id="12" name="TextBox 11">
+                <a:extLst>
+                  <a:ext uri="{FF2B5EF4-FFF2-40B4-BE49-F238E27FC236}">
+                    <a16:creationId xmlns:a16="http://schemas.microsoft.com/office/drawing/2014/main" id="{13BA4DF1-B5D0-41EC-8579-6ABDB2F64C0C}"/>
+                  </a:ext>
+                </a:extLst>
+              </p:cNvPr>
+              <p:cNvSpPr txBox="1"/>
+              <p:nvPr/>
+            </p:nvSpPr>
+            <p:spPr>
+              <a:xfrm>
+                <a:off x="8538594" y="3656835"/>
+                <a:ext cx="1376494" cy="461665"/>
+              </a:xfrm>
+              <a:prstGeom prst="rect">
+                <a:avLst/>
+              </a:prstGeom>
+              <a:solidFill>
+                <a:schemeClr val="bg1"/>
+              </a:solidFill>
+            </p:spPr>
+            <p:txBody>
+              <a:bodyPr wrap="square">
+                <a:spAutoFit/>
+              </a:bodyPr>
+              <a:lstStyle/>
+              <a:p>
+                <a:pPr/>
+                <a14:m>
+                  <m:oMathPara xmlns:m="http://schemas.openxmlformats.org/officeDocument/2006/math">
+                    <m:oMathParaPr>
+                      <m:jc m:val="centerGroup"/>
+                    </m:oMathParaPr>
+                    <m:oMath xmlns:m="http://schemas.openxmlformats.org/officeDocument/2006/math">
+                      <m:sSub>
+                        <m:sSubPr>
+                          <m:ctrlPr>
+                            <a:rPr lang="en-US" sz="2400" b="0" i="1" smtClean="0">
+                              <a:solidFill>
+                                <a:srgbClr val="00B0F0"/>
+                              </a:solidFill>
+                              <a:latin typeface="Cambria Math" panose="02040503050406030204" pitchFamily="18" charset="0"/>
+                            </a:rPr>
+                          </m:ctrlPr>
+                        </m:sSubPr>
+                        <m:e>
+                          <m:r>
+                            <a:rPr lang="en-US" sz="2400" b="0" i="1" smtClean="0">
+                              <a:solidFill>
+                                <a:srgbClr val="00B0F0"/>
+                              </a:solidFill>
+                              <a:latin typeface="Cambria Math" panose="02040503050406030204" pitchFamily="18" charset="0"/>
+                            </a:rPr>
+                            <m:t>𝑅</m:t>
+                          </m:r>
+                        </m:e>
+                        <m:sub>
+                          <m:r>
+                            <a:rPr lang="en-US" sz="2400" b="0" i="1" smtClean="0">
+                              <a:solidFill>
+                                <a:srgbClr val="00B0F0"/>
+                              </a:solidFill>
+                              <a:latin typeface="Cambria Math" panose="02040503050406030204" pitchFamily="18" charset="0"/>
+                            </a:rPr>
+                            <m:t>h</m:t>
+                          </m:r>
+                        </m:sub>
+                      </m:sSub>
+                      <m:r>
+                        <a:rPr lang="en-US" sz="2400" b="0" i="1" smtClean="0">
+                          <a:solidFill>
+                            <a:srgbClr val="00B0F0"/>
+                          </a:solidFill>
+                          <a:latin typeface="Cambria Math" panose="02040503050406030204" pitchFamily="18" charset="0"/>
+                          <a:ea typeface="Cambria Math" panose="02040503050406030204" pitchFamily="18" charset="0"/>
+                        </a:rPr>
+                        <m:t>≠</m:t>
+                      </m:r>
+                      <m:r>
+                        <a:rPr lang="en-US" sz="2400" b="0" i="1" smtClean="0">
+                          <a:solidFill>
+                            <a:srgbClr val="00B0F0"/>
+                          </a:solidFill>
+                          <a:latin typeface="Cambria Math" panose="02040503050406030204" pitchFamily="18" charset="0"/>
+                          <a:ea typeface="Cambria Math" panose="02040503050406030204" pitchFamily="18" charset="0"/>
+                        </a:rPr>
+                        <m:t>𝐻</m:t>
+                      </m:r>
+                    </m:oMath>
+                  </m:oMathPara>
+                </a14:m>
+                <a:endParaRPr lang="en-US" sz="2400" dirty="0">
+                  <a:solidFill>
+                    <a:srgbClr val="00B0F0"/>
+                  </a:solidFill>
+                </a:endParaRPr>
+              </a:p>
+            </p:txBody>
+          </p:sp>
+        </mc:Choice>
+        <mc:Fallback xmlns="">
+          <p:sp>
+            <p:nvSpPr>
+              <p:cNvPr id="12" name="TextBox 11">
+                <a:extLst>
+                  <a:ext uri="{FF2B5EF4-FFF2-40B4-BE49-F238E27FC236}">
+                    <a16:creationId xmlns:a16="http://schemas.microsoft.com/office/drawing/2014/main" id="{13BA4DF1-B5D0-41EC-8579-6ABDB2F64C0C}"/>
+                  </a:ext>
+                </a:extLst>
+              </p:cNvPr>
+              <p:cNvSpPr txBox="1">
+                <a:spLocks noRot="1" noChangeAspect="1" noMove="1" noResize="1" noEditPoints="1" noAdjustHandles="1" noChangeArrowheads="1" noChangeShapeType="1" noTextEdit="1"/>
+              </p:cNvSpPr>
+              <p:nvPr/>
+            </p:nvSpPr>
+            <p:spPr>
+              <a:xfrm>
+                <a:off x="8538594" y="3656835"/>
+                <a:ext cx="1376494" cy="461665"/>
+              </a:xfrm>
+              <a:prstGeom prst="rect">
+                <a:avLst/>
+              </a:prstGeom>
+              <a:blipFill>
+                <a:blip r:embed="rId6"/>
+                <a:stretch>
+                  <a:fillRect b="-1316"/>
+                </a:stretch>
+              </a:blipFill>
+            </p:spPr>
+            <p:txBody>
+              <a:bodyPr/>
+              <a:lstStyle/>
+              <a:p>
+                <a:r>
+                  <a:rPr lang="en-US">
+                    <a:noFill/>
+                  </a:rPr>
+                  <a:t> </a:t>
+                </a:r>
+              </a:p>
+            </p:txBody>
+          </p:sp>
+        </mc:Fallback>
+      </mc:AlternateContent>
+      <mc:AlternateContent xmlns:mc="http://schemas.openxmlformats.org/markup-compatibility/2006" xmlns:a14="http://schemas.microsoft.com/office/drawing/2010/main">
+        <mc:Choice Requires="a14">
+          <p:sp>
+            <p:nvSpPr>
+              <p:cNvPr id="13" name="TextBox 12">
+                <a:extLst>
+                  <a:ext uri="{FF2B5EF4-FFF2-40B4-BE49-F238E27FC236}">
+                    <a16:creationId xmlns:a16="http://schemas.microsoft.com/office/drawing/2014/main" id="{CBFD577D-F534-4061-936E-611442A802AF}"/>
+                  </a:ext>
+                </a:extLst>
+              </p:cNvPr>
+              <p:cNvSpPr txBox="1"/>
+              <p:nvPr/>
+            </p:nvSpPr>
+            <p:spPr>
+              <a:xfrm>
+                <a:off x="4878897" y="3595280"/>
+                <a:ext cx="1580627" cy="523220"/>
+              </a:xfrm>
+              <a:prstGeom prst="rect">
+                <a:avLst/>
+              </a:prstGeom>
+              <a:solidFill>
+                <a:schemeClr val="bg1"/>
+              </a:solidFill>
+            </p:spPr>
+            <p:txBody>
+              <a:bodyPr wrap="square">
+                <a:spAutoFit/>
+              </a:bodyPr>
+              <a:lstStyle/>
+              <a:p>
+                <a:pPr/>
+                <a14:m>
+                  <m:oMathPara xmlns:m="http://schemas.openxmlformats.org/officeDocument/2006/math">
+                    <m:oMathParaPr>
+                      <m:jc m:val="centerGroup"/>
+                    </m:oMathParaPr>
+                    <m:oMath xmlns:m="http://schemas.openxmlformats.org/officeDocument/2006/math">
+                      <m:sSub>
+                        <m:sSubPr>
+                          <m:ctrlPr>
+                            <a:rPr lang="en-US" sz="2800" b="0" i="1" smtClean="0">
+                              <a:solidFill>
+                                <a:srgbClr val="00B0F0"/>
+                              </a:solidFill>
+                              <a:latin typeface="Cambria Math" panose="02040503050406030204" pitchFamily="18" charset="0"/>
+                            </a:rPr>
+                          </m:ctrlPr>
+                        </m:sSubPr>
+                        <m:e>
+                          <m:r>
+                            <a:rPr lang="en-US" sz="2800" b="0" i="1" smtClean="0">
+                              <a:solidFill>
+                                <a:srgbClr val="00B0F0"/>
+                              </a:solidFill>
+                              <a:latin typeface="Cambria Math" panose="02040503050406030204" pitchFamily="18" charset="0"/>
+                            </a:rPr>
+                            <m:t>𝑅</m:t>
+                          </m:r>
+                        </m:e>
+                        <m:sub>
+                          <m:r>
+                            <a:rPr lang="en-US" sz="2800" b="0" i="1" smtClean="0">
+                              <a:solidFill>
+                                <a:srgbClr val="00B0F0"/>
+                              </a:solidFill>
+                              <a:latin typeface="Cambria Math" panose="02040503050406030204" pitchFamily="18" charset="0"/>
+                            </a:rPr>
+                            <m:t>h</m:t>
+                          </m:r>
+                        </m:sub>
+                      </m:sSub>
+                      <m:r>
+                        <a:rPr lang="en-US" sz="2800" b="0" i="1" smtClean="0">
+                          <a:solidFill>
+                            <a:srgbClr val="00B0F0"/>
+                          </a:solidFill>
+                          <a:latin typeface="Cambria Math" panose="02040503050406030204" pitchFamily="18" charset="0"/>
+                          <a:ea typeface="Cambria Math" panose="02040503050406030204" pitchFamily="18" charset="0"/>
+                        </a:rPr>
+                        <m:t>≠</m:t>
+                      </m:r>
+                      <m:r>
+                        <a:rPr lang="en-US" sz="2800" b="0" i="1" smtClean="0">
+                          <a:solidFill>
+                            <a:srgbClr val="00B0F0"/>
+                          </a:solidFill>
+                          <a:latin typeface="Cambria Math" panose="02040503050406030204" pitchFamily="18" charset="0"/>
+                          <a:ea typeface="Cambria Math" panose="02040503050406030204" pitchFamily="18" charset="0"/>
+                        </a:rPr>
+                        <m:t>𝐻</m:t>
+                      </m:r>
+                    </m:oMath>
+                  </m:oMathPara>
+                </a14:m>
+                <a:endParaRPr lang="en-US" sz="2800" dirty="0">
+                  <a:solidFill>
+                    <a:srgbClr val="00B0F0"/>
+                  </a:solidFill>
+                </a:endParaRPr>
+              </a:p>
+            </p:txBody>
+          </p:sp>
+        </mc:Choice>
+        <mc:Fallback xmlns="">
+          <p:sp>
+            <p:nvSpPr>
+              <p:cNvPr id="13" name="TextBox 12">
+                <a:extLst>
+                  <a:ext uri="{FF2B5EF4-FFF2-40B4-BE49-F238E27FC236}">
+                    <a16:creationId xmlns:a16="http://schemas.microsoft.com/office/drawing/2014/main" id="{CBFD577D-F534-4061-936E-611442A802AF}"/>
+                  </a:ext>
+                </a:extLst>
+              </p:cNvPr>
+              <p:cNvSpPr txBox="1">
+                <a:spLocks noRot="1" noChangeAspect="1" noMove="1" noResize="1" noEditPoints="1" noAdjustHandles="1" noChangeArrowheads="1" noChangeShapeType="1" noTextEdit="1"/>
+              </p:cNvSpPr>
+              <p:nvPr/>
+            </p:nvSpPr>
+            <p:spPr>
+              <a:xfrm>
+                <a:off x="4878897" y="3595280"/>
+                <a:ext cx="1580627" cy="523220"/>
+              </a:xfrm>
+              <a:prstGeom prst="rect">
+                <a:avLst/>
+              </a:prstGeom>
+              <a:blipFill>
+                <a:blip r:embed="rId7"/>
+                <a:stretch>
+                  <a:fillRect/>
+                </a:stretch>
+              </a:blipFill>
+            </p:spPr>
+            <p:txBody>
+              <a:bodyPr/>
+              <a:lstStyle/>
+              <a:p>
+                <a:r>
+                  <a:rPr lang="en-US">
+                    <a:noFill/>
+                  </a:rPr>
+                  <a:t> </a:t>
+                </a:r>
+              </a:p>
+            </p:txBody>
+          </p:sp>
+        </mc:Fallback>
+      </mc:AlternateContent>
+      <p:sp>
+        <p:nvSpPr>
+          <p:cNvPr id="9" name="TextBox 8">
+            <a:extLst>
+              <a:ext uri="{FF2B5EF4-FFF2-40B4-BE49-F238E27FC236}">
+                <a16:creationId xmlns:a16="http://schemas.microsoft.com/office/drawing/2014/main" id="{52A5CF97-466F-4E8A-9D11-BA3B2F95BF46}"/>
+              </a:ext>
+            </a:extLst>
+          </p:cNvPr>
+          <p:cNvSpPr txBox="1"/>
+          <p:nvPr/>
+        </p:nvSpPr>
+        <p:spPr>
+          <a:xfrm>
+            <a:off x="0" y="6174120"/>
+            <a:ext cx="4196475" cy="646331"/>
+          </a:xfrm>
+          <a:prstGeom prst="rect">
+            <a:avLst/>
+          </a:prstGeom>
+          <a:noFill/>
+        </p:spPr>
+        <p:txBody>
+          <a:bodyPr wrap="square">
+            <a:spAutoFit/>
+          </a:bodyPr>
+          <a:lstStyle/>
+          <a:p>
+            <a:r>
+              <a:rPr lang="en-US" dirty="0">
+                <a:solidFill>
+                  <a:srgbClr val="385723"/>
+                </a:solidFill>
+              </a:rPr>
+              <a:t>These models are fit using the </a:t>
+            </a:r>
+            <a:r>
+              <a:rPr lang="en-US" dirty="0" err="1">
+                <a:solidFill>
+                  <a:srgbClr val="385723"/>
+                </a:solidFill>
+              </a:rPr>
+              <a:t>Ulseth</a:t>
+            </a:r>
+            <a:r>
+              <a:rPr lang="en-US" dirty="0">
+                <a:solidFill>
+                  <a:srgbClr val="385723"/>
+                </a:solidFill>
+              </a:rPr>
+              <a:t> </a:t>
+            </a:r>
+            <a:r>
+              <a:rPr lang="en-US" dirty="0" err="1">
+                <a:solidFill>
+                  <a:srgbClr val="385723"/>
+                </a:solidFill>
+              </a:rPr>
+              <a:t>etal</a:t>
+            </a:r>
+            <a:r>
+              <a:rPr lang="en-US" dirty="0">
+                <a:solidFill>
+                  <a:srgbClr val="385723"/>
+                </a:solidFill>
+              </a:rPr>
+              <a:t> (2019) dataset</a:t>
+            </a:r>
+          </a:p>
+        </p:txBody>
+      </p:sp>
+    </p:spTree>
+    <p:extLst>
+      <p:ext uri="{BB962C8B-B14F-4D97-AF65-F5344CB8AC3E}">
+        <p14:creationId xmlns:p14="http://schemas.microsoft.com/office/powerpoint/2010/main" val="330009725"/>
+      </p:ext>
+    </p:extLst>
+  </p:cSld>
+  <p:clrMapOvr>
+    <a:masterClrMapping/>
+  </p:clrMapOvr>
+</p:sld>
+</file>
+
+<file path=ppt/slides/slide7.xml><?xml version="1.0" encoding="utf-8"?>
+<p:sld xmlns:a="http://schemas.openxmlformats.org/drawingml/2006/main" xmlns:r="http://schemas.openxmlformats.org/officeDocument/2006/relationships" xmlns:p="http://schemas.openxmlformats.org/presentationml/2006/main">
+  <p:cSld>
+    <p:spTree>
+      <p:nvGrpSpPr>
+        <p:cNvPr id="1" name=""/>
+        <p:cNvGrpSpPr/>
+        <p:nvPr/>
+      </p:nvGrpSpPr>
+      <p:grpSpPr>
+        <a:xfrm>
+          <a:off x="0" y="0"/>
+          <a:ext cx="0" cy="0"/>
+          <a:chOff x="0" y="0"/>
+          <a:chExt cx="0" cy="0"/>
+        </a:xfrm>
+      </p:grpSpPr>
+      <p:pic>
+        <p:nvPicPr>
+          <p:cNvPr id="4" name="Picture 3">
+            <a:extLst>
+              <a:ext uri="{FF2B5EF4-FFF2-40B4-BE49-F238E27FC236}">
+                <a16:creationId xmlns:a16="http://schemas.microsoft.com/office/drawing/2014/main" id="{FFD66B7A-E65D-4CC7-BFE6-F83CC24834E0}"/>
+              </a:ext>
+            </a:extLst>
+          </p:cNvPr>
+          <p:cNvPicPr>
+            <a:picLocks noChangeAspect="1"/>
+          </p:cNvPicPr>
+          <p:nvPr/>
+        </p:nvPicPr>
+        <p:blipFill>
+          <a:blip r:embed="rId2"/>
+          <a:stretch>
+            <a:fillRect/>
+          </a:stretch>
+        </p:blipFill>
+        <p:spPr>
+          <a:xfrm>
+            <a:off x="287518" y="1011332"/>
+            <a:ext cx="6316877" cy="4421814"/>
+          </a:xfrm>
+          <a:prstGeom prst="rect">
+            <a:avLst/>
+          </a:prstGeom>
+        </p:spPr>
+      </p:pic>
+      <p:sp>
+        <p:nvSpPr>
+          <p:cNvPr id="2" name="Title 1">
+            <a:extLst>
+              <a:ext uri="{FF2B5EF4-FFF2-40B4-BE49-F238E27FC236}">
+                <a16:creationId xmlns:a16="http://schemas.microsoft.com/office/drawing/2014/main" id="{A8845521-5DB7-45B9-9860-280CF8B710EE}"/>
+              </a:ext>
+            </a:extLst>
+          </p:cNvPr>
+          <p:cNvSpPr>
+            <a:spLocks noGrp="1"/>
+          </p:cNvSpPr>
+          <p:nvPr>
+            <p:ph type="title"/>
+          </p:nvPr>
+        </p:nvSpPr>
+        <p:spPr>
+          <a:xfrm>
+            <a:off x="270029" y="-47514"/>
+            <a:ext cx="10515600" cy="1325563"/>
+          </a:xfrm>
+        </p:spPr>
+        <p:txBody>
+          <a:bodyPr/>
+          <a:lstStyle/>
+          <a:p>
+            <a:r>
+              <a:rPr lang="en-US" dirty="0"/>
+              <a:t>Sidenote on scaling theory</a:t>
+            </a:r>
+          </a:p>
+        </p:txBody>
+      </p:sp>
+      <mc:AlternateContent xmlns:mc="http://schemas.openxmlformats.org/markup-compatibility/2006">
+        <mc:Choice xmlns:a14="http://schemas.microsoft.com/office/drawing/2010/main" Requires="a14">
+          <p:sp>
+            <p:nvSpPr>
+              <p:cNvPr id="5" name="TextBox 4">
+                <a:extLst>
+                  <a:ext uri="{FF2B5EF4-FFF2-40B4-BE49-F238E27FC236}">
+                    <a16:creationId xmlns:a16="http://schemas.microsoft.com/office/drawing/2014/main" id="{0BA868CF-01BA-4A4F-9C2C-1F19F2A1ACE6}"/>
+                  </a:ext>
+                </a:extLst>
+              </p:cNvPr>
+              <p:cNvSpPr txBox="1"/>
+              <p:nvPr/>
+            </p:nvSpPr>
+            <p:spPr>
+              <a:xfrm>
+                <a:off x="7076335" y="1406218"/>
+                <a:ext cx="4196475" cy="2316019"/>
+              </a:xfrm>
+              <a:prstGeom prst="rect">
+                <a:avLst/>
+              </a:prstGeom>
+              <a:noFill/>
+            </p:spPr>
+            <p:txBody>
+              <a:bodyPr wrap="square">
+                <a:spAutoFit/>
+              </a:bodyPr>
+              <a:lstStyle/>
+              <a:p>
+                <a14:m>
+                  <m:oMath xmlns:m="http://schemas.openxmlformats.org/officeDocument/2006/math">
+                    <m:r>
+                      <a:rPr lang="en-US" sz="2400" b="0" i="1" smtClean="0">
+                        <a:latin typeface="Cambria Math" panose="02040503050406030204" pitchFamily="18" charset="0"/>
+                      </a:rPr>
+                      <m:t>𝑘</m:t>
+                    </m:r>
+                    <m:r>
+                      <a:rPr lang="en-US" sz="2400" b="0" i="1" smtClean="0">
+                        <a:latin typeface="Cambria Math" panose="02040503050406030204" pitchFamily="18" charset="0"/>
+                      </a:rPr>
+                      <m:t>=</m:t>
+                    </m:r>
+                    <m:r>
+                      <a:rPr lang="en-US" sz="2400" b="0" i="1" smtClean="0">
+                        <a:latin typeface="Cambria Math" panose="02040503050406030204" pitchFamily="18" charset="0"/>
+                        <a:ea typeface="Cambria Math" panose="02040503050406030204" pitchFamily="18" charset="0"/>
+                      </a:rPr>
+                      <m:t>𝛽</m:t>
+                    </m:r>
+                    <m:sSubSup>
+                      <m:sSubSupPr>
+                        <m:ctrlPr>
+                          <a:rPr lang="en-US" sz="2400" b="0" i="1" smtClean="0">
+                            <a:latin typeface="Cambria Math" panose="02040503050406030204" pitchFamily="18" charset="0"/>
+                            <a:ea typeface="Cambria Math" panose="02040503050406030204" pitchFamily="18" charset="0"/>
+                          </a:rPr>
+                        </m:ctrlPr>
+                      </m:sSubSupPr>
+                      <m:e>
+                        <m:r>
+                          <a:rPr lang="en-US" sz="2400" b="0" i="1" smtClean="0">
+                            <a:latin typeface="Cambria Math" panose="02040503050406030204" pitchFamily="18" charset="0"/>
+                            <a:ea typeface="Cambria Math" panose="02040503050406030204" pitchFamily="18" charset="0"/>
+                          </a:rPr>
+                          <m:t>𝜀</m:t>
+                        </m:r>
+                      </m:e>
+                      <m:sub>
+                        <m:r>
+                          <a:rPr lang="en-US" sz="2400" b="0" i="1" smtClean="0">
+                            <a:latin typeface="Cambria Math" panose="02040503050406030204" pitchFamily="18" charset="0"/>
+                            <a:ea typeface="Cambria Math" panose="02040503050406030204" pitchFamily="18" charset="0"/>
+                          </a:rPr>
+                          <m:t>𝐷</m:t>
+                        </m:r>
+                      </m:sub>
+                      <m:sup>
+                        <m:r>
+                          <a:rPr lang="en-US" sz="2400" b="0" i="1" smtClean="0">
+                            <a:latin typeface="Cambria Math" panose="02040503050406030204" pitchFamily="18" charset="0"/>
+                            <a:ea typeface="Cambria Math" panose="02040503050406030204" pitchFamily="18" charset="0"/>
+                          </a:rPr>
+                          <m:t>0.28</m:t>
+                        </m:r>
+                      </m:sup>
+                    </m:sSubSup>
+                  </m:oMath>
+                </a14:m>
+                <a:r>
+                  <a:rPr lang="en-US" sz="2400" dirty="0"/>
+                  <a:t> </a:t>
+                </a:r>
+                <a:r>
+                  <a:rPr lang="en-US" sz="2400" dirty="0">
+                    <a:sym typeface="Wingdings" panose="05000000000000000000" pitchFamily="2" charset="2"/>
+                  </a:rPr>
+                  <a:t> b</a:t>
+                </a:r>
+                <a:r>
+                  <a:rPr lang="en-US" sz="2400" dirty="0"/>
+                  <a:t>ig rivers behave like estuary, ocean, lake, etc. and scale to the 1/4</a:t>
+                </a:r>
+              </a:p>
+              <a:p>
+                <a:endParaRPr lang="en-US" sz="2400" dirty="0"/>
+              </a:p>
+              <a:p>
+                <a:r>
+                  <a:rPr lang="en-US" sz="2400" dirty="0"/>
+                  <a:t>Is the e model worse because of it’s dependence </a:t>
+                </a:r>
+                <a:r>
+                  <a:rPr lang="en-US" sz="2400"/>
+                  <a:t>on viscosity?</a:t>
+                </a:r>
                 <a:endParaRPr lang="en-US" sz="2400" dirty="0"/>
               </a:p>
             </p:txBody>
@@ -6784,8 +7834,8 @@
             </p:nvSpPr>
             <p:spPr>
               <a:xfrm>
-                <a:off x="146245" y="2328353"/>
-                <a:ext cx="4196475" cy="3046988"/>
+                <a:off x="7076335" y="1406218"/>
+                <a:ext cx="4196475" cy="2316019"/>
               </a:xfrm>
               <a:prstGeom prst="rect">
                 <a:avLst/>
@@ -6793,7 +7843,7 @@
               <a:blipFill>
                 <a:blip r:embed="rId3"/>
                 <a:stretch>
-                  <a:fillRect l="-2326" t="-1600" r="-3052" b="-3600"/>
+                  <a:fillRect l="-2326" t="-2105" r="-1163" b="-5000"/>
                 </a:stretch>
               </a:blipFill>
             </p:spPr>
@@ -6828,7 +7878,7 @@
             </p:nvSpPr>
             <p:spPr>
               <a:xfrm>
-                <a:off x="4966631" y="979395"/>
+                <a:off x="804024" y="851838"/>
                 <a:ext cx="1405158" cy="461665"/>
               </a:xfrm>
               <a:prstGeom prst="rect">
@@ -6933,7 +7983,7 @@
             </p:nvSpPr>
             <p:spPr>
               <a:xfrm>
-                <a:off x="4966631" y="979395"/>
+                <a:off x="804024" y="851838"/>
                 <a:ext cx="1405158" cy="461665"/>
               </a:xfrm>
               <a:prstGeom prst="rect">
@@ -6977,7 +8027,7 @@
             </p:nvSpPr>
             <p:spPr>
               <a:xfrm>
-                <a:off x="8772705" y="887293"/>
+                <a:off x="4037422" y="816384"/>
                 <a:ext cx="1210113" cy="461665"/>
               </a:xfrm>
               <a:prstGeom prst="rect">
@@ -7082,7 +8132,7 @@
             </p:nvSpPr>
             <p:spPr>
               <a:xfrm>
-                <a:off x="8772705" y="887293"/>
+                <a:off x="4037422" y="816384"/>
                 <a:ext cx="1210113" cy="461665"/>
               </a:xfrm>
               <a:prstGeom prst="rect">
@@ -7091,7 +8141,7 @@
               <a:blipFill>
                 <a:blip r:embed="rId5"/>
                 <a:stretch>
-                  <a:fillRect b="-2667"/>
+                  <a:fillRect b="-1316"/>
                 </a:stretch>
               </a:blipFill>
             </p:spPr>
@@ -7126,7 +8176,7 @@
             </p:nvSpPr>
             <p:spPr>
               <a:xfrm>
-                <a:off x="8538594" y="3656835"/>
+                <a:off x="3998806" y="2991406"/>
                 <a:ext cx="1376494" cy="461665"/>
               </a:xfrm>
               <a:prstGeom prst="rect">
@@ -7232,7 +8282,7 @@
             </p:nvSpPr>
             <p:spPr>
               <a:xfrm>
-                <a:off x="8538594" y="3656835"/>
+                <a:off x="3998806" y="2991406"/>
                 <a:ext cx="1376494" cy="461665"/>
               </a:xfrm>
               <a:prstGeom prst="rect">
@@ -7241,7 +8291,7 @@
               <a:blipFill>
                 <a:blip r:embed="rId6"/>
                 <a:stretch>
-                  <a:fillRect b="-1316"/>
+                  <a:fillRect b="-2667"/>
                 </a:stretch>
               </a:blipFill>
             </p:spPr>
@@ -7276,7 +8326,7 @@
             </p:nvSpPr>
             <p:spPr>
               <a:xfrm>
-                <a:off x="4878897" y="3595280"/>
+                <a:off x="919456" y="2960629"/>
                 <a:ext cx="1580627" cy="523220"/>
               </a:xfrm>
               <a:prstGeom prst="rect">
@@ -7382,7 +8432,7 @@
             </p:nvSpPr>
             <p:spPr>
               <a:xfrm>
-                <a:off x="4878897" y="3595280"/>
+                <a:off x="919456" y="2960629"/>
                 <a:ext cx="1580627" cy="523220"/>
               </a:xfrm>
               <a:prstGeom prst="rect">
@@ -7410,10 +8460,463 @@
           </p:sp>
         </mc:Fallback>
       </mc:AlternateContent>
+      <p:sp>
+        <p:nvSpPr>
+          <p:cNvPr id="9" name="TextBox 8">
+            <a:extLst>
+              <a:ext uri="{FF2B5EF4-FFF2-40B4-BE49-F238E27FC236}">
+                <a16:creationId xmlns:a16="http://schemas.microsoft.com/office/drawing/2014/main" id="{52A5CF97-466F-4E8A-9D11-BA3B2F95BF46}"/>
+              </a:ext>
+            </a:extLst>
+          </p:cNvPr>
+          <p:cNvSpPr txBox="1"/>
+          <p:nvPr/>
+        </p:nvSpPr>
+        <p:spPr>
+          <a:xfrm>
+            <a:off x="0" y="6174120"/>
+            <a:ext cx="4196475" cy="646331"/>
+          </a:xfrm>
+          <a:prstGeom prst="rect">
+            <a:avLst/>
+          </a:prstGeom>
+          <a:noFill/>
+        </p:spPr>
+        <p:txBody>
+          <a:bodyPr wrap="square">
+            <a:spAutoFit/>
+          </a:bodyPr>
+          <a:lstStyle/>
+          <a:p>
+            <a:r>
+              <a:rPr lang="en-US" dirty="0">
+                <a:solidFill>
+                  <a:srgbClr val="385723"/>
+                </a:solidFill>
+              </a:rPr>
+              <a:t>These models are fit using the </a:t>
+            </a:r>
+            <a:r>
+              <a:rPr lang="en-US" dirty="0" err="1">
+                <a:solidFill>
+                  <a:srgbClr val="385723"/>
+                </a:solidFill>
+              </a:rPr>
+              <a:t>Ulseth</a:t>
+            </a:r>
+            <a:r>
+              <a:rPr lang="en-US" dirty="0">
+                <a:solidFill>
+                  <a:srgbClr val="385723"/>
+                </a:solidFill>
+              </a:rPr>
+              <a:t> </a:t>
+            </a:r>
+            <a:r>
+              <a:rPr lang="en-US" dirty="0" err="1">
+                <a:solidFill>
+                  <a:srgbClr val="385723"/>
+                </a:solidFill>
+              </a:rPr>
+              <a:t>etal</a:t>
+            </a:r>
+            <a:r>
+              <a:rPr lang="en-US" dirty="0">
+                <a:solidFill>
+                  <a:srgbClr val="385723"/>
+                </a:solidFill>
+              </a:rPr>
+              <a:t> (2019) dataset</a:t>
+            </a:r>
+          </a:p>
+        </p:txBody>
+      </p:sp>
+      <mc:AlternateContent xmlns:mc="http://schemas.openxmlformats.org/markup-compatibility/2006">
+        <mc:Choice xmlns:a14="http://schemas.microsoft.com/office/drawing/2010/main" Requires="a14">
+          <p:sp>
+            <p:nvSpPr>
+              <p:cNvPr id="14" name="TextBox 13">
+                <a:extLst>
+                  <a:ext uri="{FF2B5EF4-FFF2-40B4-BE49-F238E27FC236}">
+                    <a16:creationId xmlns:a16="http://schemas.microsoft.com/office/drawing/2014/main" id="{4AA1B91B-A14A-4B9A-A071-09A71496393A}"/>
+                  </a:ext>
+                </a:extLst>
+              </p:cNvPr>
+              <p:cNvSpPr txBox="1"/>
+              <p:nvPr/>
+            </p:nvSpPr>
+            <p:spPr>
+              <a:xfrm>
+                <a:off x="6944467" y="150678"/>
+                <a:ext cx="5034863" cy="1134670"/>
+              </a:xfrm>
+              <a:prstGeom prst="rect">
+                <a:avLst/>
+              </a:prstGeom>
+              <a:noFill/>
+            </p:spPr>
+            <p:txBody>
+              <a:bodyPr wrap="square">
+                <a:spAutoFit/>
+              </a:bodyPr>
+              <a:lstStyle/>
+              <a:p>
+                <a14:m>
+                  <m:oMath xmlns:m="http://schemas.openxmlformats.org/officeDocument/2006/math">
+                    <m:r>
+                      <a:rPr lang="en-US" sz="3200" b="0" i="1" smtClean="0">
+                        <a:solidFill>
+                          <a:srgbClr val="385723"/>
+                        </a:solidFill>
+                        <a:latin typeface="Cambria Math" panose="02040503050406030204" pitchFamily="18" charset="0"/>
+                      </a:rPr>
+                      <m:t>𝑘</m:t>
+                    </m:r>
+                    <m:r>
+                      <a:rPr lang="en-US" sz="3200" b="0" i="1" smtClean="0">
+                        <a:solidFill>
+                          <a:srgbClr val="385723"/>
+                        </a:solidFill>
+                        <a:latin typeface="Cambria Math" panose="02040503050406030204" pitchFamily="18" charset="0"/>
+                      </a:rPr>
+                      <m:t>~</m:t>
+                    </m:r>
+                    <m:sSup>
+                      <m:sSupPr>
+                        <m:ctrlPr>
+                          <a:rPr lang="en-US" sz="3200" b="0" i="1" smtClean="0">
+                            <a:solidFill>
+                              <a:srgbClr val="385723"/>
+                            </a:solidFill>
+                            <a:latin typeface="Cambria Math" panose="02040503050406030204" pitchFamily="18" charset="0"/>
+                            <a:ea typeface="Cambria Math" panose="02040503050406030204" pitchFamily="18" charset="0"/>
+                          </a:rPr>
+                        </m:ctrlPr>
+                      </m:sSupPr>
+                      <m:e>
+                        <m:r>
+                          <a:rPr lang="en-US" sz="3200" b="0" i="1" smtClean="0">
+                            <a:solidFill>
+                              <a:srgbClr val="385723"/>
+                            </a:solidFill>
+                            <a:latin typeface="Cambria Math" panose="02040503050406030204" pitchFamily="18" charset="0"/>
+                            <a:ea typeface="Cambria Math" panose="02040503050406030204" pitchFamily="18" charset="0"/>
+                          </a:rPr>
+                          <m:t>𝜀</m:t>
+                        </m:r>
+                      </m:e>
+                      <m:sup>
+                        <m:f>
+                          <m:fPr>
+                            <m:ctrlPr>
+                              <a:rPr lang="en-US" sz="3200" b="0" i="1" smtClean="0">
+                                <a:solidFill>
+                                  <a:srgbClr val="385723"/>
+                                </a:solidFill>
+                                <a:latin typeface="Cambria Math" panose="02040503050406030204" pitchFamily="18" charset="0"/>
+                                <a:ea typeface="Cambria Math" panose="02040503050406030204" pitchFamily="18" charset="0"/>
+                              </a:rPr>
+                            </m:ctrlPr>
+                          </m:fPr>
+                          <m:num>
+                            <m:r>
+                              <a:rPr lang="en-US" sz="3200" b="0" i="1" smtClean="0">
+                                <a:solidFill>
+                                  <a:srgbClr val="385723"/>
+                                </a:solidFill>
+                                <a:latin typeface="Cambria Math" panose="02040503050406030204" pitchFamily="18" charset="0"/>
+                                <a:ea typeface="Cambria Math" panose="02040503050406030204" pitchFamily="18" charset="0"/>
+                              </a:rPr>
+                              <m:t>1</m:t>
+                            </m:r>
+                          </m:num>
+                          <m:den>
+                            <m:r>
+                              <a:rPr lang="en-US" sz="3200" b="0" i="1" smtClean="0">
+                                <a:solidFill>
+                                  <a:srgbClr val="385723"/>
+                                </a:solidFill>
+                                <a:latin typeface="Cambria Math" panose="02040503050406030204" pitchFamily="18" charset="0"/>
+                                <a:ea typeface="Cambria Math" panose="02040503050406030204" pitchFamily="18" charset="0"/>
+                              </a:rPr>
+                              <m:t>4</m:t>
+                            </m:r>
+                          </m:den>
+                        </m:f>
+                      </m:sup>
+                    </m:sSup>
+                  </m:oMath>
+                </a14:m>
+                <a:r>
+                  <a:rPr lang="en-US" sz="3200" dirty="0">
+                    <a:solidFill>
+                      <a:srgbClr val="C00000"/>
+                    </a:solidFill>
+                  </a:rPr>
+                  <a:t> [Lamont &amp; Scott 1970]</a:t>
+                </a:r>
+                <a:r>
+                  <a:rPr lang="en-US" sz="2400" dirty="0"/>
+                  <a:t>, confirmed in lakes, ocean, estuary, etc.</a:t>
+                </a:r>
+                <a:endParaRPr lang="en-US" sz="3200" dirty="0"/>
+              </a:p>
+            </p:txBody>
+          </p:sp>
+        </mc:Choice>
+        <mc:Fallback>
+          <p:sp>
+            <p:nvSpPr>
+              <p:cNvPr id="14" name="TextBox 13">
+                <a:extLst>
+                  <a:ext uri="{FF2B5EF4-FFF2-40B4-BE49-F238E27FC236}">
+                    <a16:creationId xmlns:a16="http://schemas.microsoft.com/office/drawing/2014/main" id="{4AA1B91B-A14A-4B9A-A071-09A71496393A}"/>
+                  </a:ext>
+                </a:extLst>
+              </p:cNvPr>
+              <p:cNvSpPr txBox="1">
+                <a:spLocks noRot="1" noChangeAspect="1" noMove="1" noResize="1" noEditPoints="1" noAdjustHandles="1" noChangeArrowheads="1" noChangeShapeType="1" noTextEdit="1"/>
+              </p:cNvSpPr>
+              <p:nvPr/>
+            </p:nvSpPr>
+            <p:spPr>
+              <a:xfrm>
+                <a:off x="6944467" y="150678"/>
+                <a:ext cx="5034863" cy="1134670"/>
+              </a:xfrm>
+              <a:prstGeom prst="rect">
+                <a:avLst/>
+              </a:prstGeom>
+              <a:blipFill>
+                <a:blip r:embed="rId8"/>
+                <a:stretch>
+                  <a:fillRect l="-1816" r="-1937" b="-11290"/>
+                </a:stretch>
+              </a:blipFill>
+            </p:spPr>
+            <p:txBody>
+              <a:bodyPr/>
+              <a:lstStyle/>
+              <a:p>
+                <a:r>
+                  <a:rPr lang="en-US">
+                    <a:noFill/>
+                  </a:rPr>
+                  <a:t> </a:t>
+                </a:r>
+              </a:p>
+            </p:txBody>
+          </p:sp>
+        </mc:Fallback>
+      </mc:AlternateContent>
+      <mc:AlternateContent xmlns:mc="http://schemas.openxmlformats.org/markup-compatibility/2006">
+        <mc:Choice xmlns:a14="http://schemas.microsoft.com/office/drawing/2010/main" Requires="a14">
+          <p:sp>
+            <p:nvSpPr>
+              <p:cNvPr id="15" name="TextBox 14">
+                <a:extLst>
+                  <a:ext uri="{FF2B5EF4-FFF2-40B4-BE49-F238E27FC236}">
+                    <a16:creationId xmlns:a16="http://schemas.microsoft.com/office/drawing/2014/main" id="{172A3F81-86E8-486A-BE88-8BCBD25EEDF2}"/>
+                  </a:ext>
+                </a:extLst>
+              </p:cNvPr>
+              <p:cNvSpPr txBox="1"/>
+              <p:nvPr/>
+            </p:nvSpPr>
+            <p:spPr>
+              <a:xfrm>
+                <a:off x="5925965" y="4115387"/>
+                <a:ext cx="4196475" cy="469167"/>
+              </a:xfrm>
+              <a:prstGeom prst="rect">
+                <a:avLst/>
+              </a:prstGeom>
+              <a:noFill/>
+            </p:spPr>
+            <p:txBody>
+              <a:bodyPr wrap="square">
+                <a:spAutoFit/>
+              </a:bodyPr>
+              <a:lstStyle/>
+              <a:p>
+                <a14:m>
+                  <m:oMathPara xmlns:m="http://schemas.openxmlformats.org/officeDocument/2006/math">
+                    <m:oMathParaPr>
+                      <m:jc m:val="centerGroup"/>
+                    </m:oMathParaPr>
+                    <m:oMath xmlns:m="http://schemas.openxmlformats.org/officeDocument/2006/math">
+                      <m:r>
+                        <a:rPr lang="en-US" sz="2400" b="0" i="1" smtClean="0">
+                          <a:latin typeface="Cambria Math" panose="02040503050406030204" pitchFamily="18" charset="0"/>
+                        </a:rPr>
+                        <m:t>𝑘</m:t>
+                      </m:r>
+                      <m:r>
+                        <a:rPr lang="en-US" sz="2400" b="0" i="1" smtClean="0">
+                          <a:latin typeface="Cambria Math" panose="02040503050406030204" pitchFamily="18" charset="0"/>
+                        </a:rPr>
+                        <m:t>=</m:t>
+                      </m:r>
+                      <m:r>
+                        <a:rPr lang="en-US" sz="2400" b="0" i="1" smtClean="0">
+                          <a:latin typeface="Cambria Math" panose="02040503050406030204" pitchFamily="18" charset="0"/>
+                          <a:ea typeface="Cambria Math" panose="02040503050406030204" pitchFamily="18" charset="0"/>
+                        </a:rPr>
+                        <m:t>𝛽</m:t>
+                      </m:r>
+                      <m:sSubSup>
+                        <m:sSubSupPr>
+                          <m:ctrlPr>
+                            <a:rPr lang="en-US" sz="2400" b="0" i="1" smtClean="0">
+                              <a:latin typeface="Cambria Math" panose="02040503050406030204" pitchFamily="18" charset="0"/>
+                              <a:ea typeface="Cambria Math" panose="02040503050406030204" pitchFamily="18" charset="0"/>
+                            </a:rPr>
+                          </m:ctrlPr>
+                        </m:sSubSupPr>
+                        <m:e>
+                          <m:r>
+                            <a:rPr lang="en-US" sz="2400" b="0" i="1" smtClean="0">
+                              <a:latin typeface="Cambria Math" panose="02040503050406030204" pitchFamily="18" charset="0"/>
+                              <a:ea typeface="Cambria Math" panose="02040503050406030204" pitchFamily="18" charset="0"/>
+                            </a:rPr>
+                            <m:t>𝜀</m:t>
+                          </m:r>
+                        </m:e>
+                        <m:sub>
+                          <m:r>
+                            <a:rPr lang="en-US" sz="2400" b="0" i="1" smtClean="0">
+                              <a:latin typeface="Cambria Math" panose="02040503050406030204" pitchFamily="18" charset="0"/>
+                              <a:ea typeface="Cambria Math" panose="02040503050406030204" pitchFamily="18" charset="0"/>
+                            </a:rPr>
+                            <m:t>𝐷</m:t>
+                          </m:r>
+                        </m:sub>
+                        <m:sup>
+                          <m:r>
+                            <a:rPr lang="en-US" sz="2400" b="0" i="1" smtClean="0">
+                              <a:latin typeface="Cambria Math" panose="02040503050406030204" pitchFamily="18" charset="0"/>
+                              <a:ea typeface="Cambria Math" panose="02040503050406030204" pitchFamily="18" charset="0"/>
+                            </a:rPr>
+                            <m:t>0.73</m:t>
+                          </m:r>
+                        </m:sup>
+                      </m:sSubSup>
+                    </m:oMath>
+                  </m:oMathPara>
+                </a14:m>
+                <a:endParaRPr lang="en-US" sz="2400" dirty="0"/>
+              </a:p>
+            </p:txBody>
+          </p:sp>
+        </mc:Choice>
+        <mc:Fallback>
+          <p:sp>
+            <p:nvSpPr>
+              <p:cNvPr id="15" name="TextBox 14">
+                <a:extLst>
+                  <a:ext uri="{FF2B5EF4-FFF2-40B4-BE49-F238E27FC236}">
+                    <a16:creationId xmlns:a16="http://schemas.microsoft.com/office/drawing/2014/main" id="{172A3F81-86E8-486A-BE88-8BCBD25EEDF2}"/>
+                  </a:ext>
+                </a:extLst>
+              </p:cNvPr>
+              <p:cNvSpPr txBox="1">
+                <a:spLocks noRot="1" noChangeAspect="1" noMove="1" noResize="1" noEditPoints="1" noAdjustHandles="1" noChangeArrowheads="1" noChangeShapeType="1" noTextEdit="1"/>
+              </p:cNvSpPr>
+              <p:nvPr/>
+            </p:nvSpPr>
+            <p:spPr>
+              <a:xfrm>
+                <a:off x="5925965" y="4115387"/>
+                <a:ext cx="4196475" cy="469167"/>
+              </a:xfrm>
+              <a:prstGeom prst="rect">
+                <a:avLst/>
+              </a:prstGeom>
+              <a:blipFill>
+                <a:blip r:embed="rId9"/>
+                <a:stretch>
+                  <a:fillRect b="-16883"/>
+                </a:stretch>
+              </a:blipFill>
+            </p:spPr>
+            <p:txBody>
+              <a:bodyPr/>
+              <a:lstStyle/>
+              <a:p>
+                <a:r>
+                  <a:rPr lang="en-US">
+                    <a:noFill/>
+                  </a:rPr>
+                  <a:t> </a:t>
+                </a:r>
+              </a:p>
+            </p:txBody>
+          </p:sp>
+        </mc:Fallback>
+      </mc:AlternateContent>
+      <p:sp>
+        <p:nvSpPr>
+          <p:cNvPr id="16" name="TextBox 15">
+            <a:extLst>
+              <a:ext uri="{FF2B5EF4-FFF2-40B4-BE49-F238E27FC236}">
+                <a16:creationId xmlns:a16="http://schemas.microsoft.com/office/drawing/2014/main" id="{8C4EF57B-BFCC-4712-9D30-63565FFDF68A}"/>
+              </a:ext>
+            </a:extLst>
+          </p:cNvPr>
+          <p:cNvSpPr txBox="1"/>
+          <p:nvPr/>
+        </p:nvSpPr>
+        <p:spPr>
+          <a:xfrm>
+            <a:off x="7000634" y="4604460"/>
+            <a:ext cx="4196475" cy="1200329"/>
+          </a:xfrm>
+          <a:prstGeom prst="rect">
+            <a:avLst/>
+          </a:prstGeom>
+          <a:noFill/>
+        </p:spPr>
+        <p:txBody>
+          <a:bodyPr wrap="square">
+            <a:spAutoFit/>
+          </a:bodyPr>
+          <a:lstStyle/>
+          <a:p>
+            <a:r>
+              <a:rPr lang="en-US" sz="2400" dirty="0">
+                <a:solidFill>
+                  <a:srgbClr val="C00000"/>
+                </a:solidFill>
+              </a:rPr>
+              <a:t>[</a:t>
+            </a:r>
+            <a:r>
+              <a:rPr lang="en-US" sz="2400" dirty="0" err="1">
+                <a:solidFill>
+                  <a:srgbClr val="C00000"/>
+                </a:solidFill>
+              </a:rPr>
+              <a:t>Ulseth</a:t>
+            </a:r>
+            <a:r>
+              <a:rPr lang="en-US" sz="2400" dirty="0">
+                <a:solidFill>
+                  <a:srgbClr val="C00000"/>
+                </a:solidFill>
+              </a:rPr>
+              <a:t> et al. 2019]</a:t>
+            </a:r>
+            <a:r>
+              <a:rPr lang="en-US" sz="2400" dirty="0"/>
+              <a:t> already showed empirically this doesn’t scale to the ¼ in steep rivers</a:t>
+            </a:r>
+          </a:p>
+        </p:txBody>
+      </p:sp>
     </p:spTree>
     <p:extLst>
       <p:ext uri="{BB962C8B-B14F-4D97-AF65-F5344CB8AC3E}">
-        <p14:creationId xmlns:p14="http://schemas.microsoft.com/office/powerpoint/2010/main" val="330009725"/>
+        <p14:creationId xmlns:p14="http://schemas.microsoft.com/office/powerpoint/2010/main" val="3481124834"/>
       </p:ext>
     </p:extLst>
   </p:cSld>
@@ -7423,7 +8926,7 @@
 </p:sld>
 </file>
 
-<file path=ppt/slides/slide7.xml><?xml version="1.0" encoding="utf-8"?>
+<file path=ppt/slides/slide8.xml><?xml version="1.0" encoding="utf-8"?>
 <p:sld xmlns:a="http://schemas.openxmlformats.org/drawingml/2006/main" xmlns:r="http://schemas.openxmlformats.org/officeDocument/2006/relationships" xmlns:p="http://schemas.openxmlformats.org/presentationml/2006/main">
   <p:cSld>
     <p:spTree>
@@ -7473,94 +8976,175 @@
           </a:p>
         </p:txBody>
       </p:sp>
-      <p:sp>
-        <p:nvSpPr>
-          <p:cNvPr id="14" name="TextBox 13">
-            <a:extLst>
-              <a:ext uri="{FF2B5EF4-FFF2-40B4-BE49-F238E27FC236}">
-                <a16:creationId xmlns:a16="http://schemas.microsoft.com/office/drawing/2014/main" id="{943FB1D4-E131-4E89-B2DD-A7FD70AA4B77}"/>
-              </a:ext>
-            </a:extLst>
-          </p:cNvPr>
-          <p:cNvSpPr txBox="1"/>
-          <p:nvPr/>
-        </p:nvSpPr>
-        <p:spPr>
-          <a:xfrm>
-            <a:off x="362824" y="1182231"/>
-            <a:ext cx="4544736" cy="4832092"/>
-          </a:xfrm>
-          <a:prstGeom prst="rect">
-            <a:avLst/>
-          </a:prstGeom>
-          <a:noFill/>
-        </p:spPr>
-        <p:txBody>
-          <a:bodyPr wrap="square">
-            <a:spAutoFit/>
-          </a:bodyPr>
-          <a:lstStyle/>
-          <a:p>
-            <a:r>
-              <a:rPr lang="en-US" sz="2800" dirty="0">
-                <a:solidFill>
-                  <a:schemeClr val="tx1"/>
-                </a:solidFill>
-              </a:rPr>
-              <a:t>U</a:t>
-            </a:r>
-            <a:r>
-              <a:rPr lang="en-US" sz="2800" baseline="-25000" dirty="0"/>
-              <a:t>* </a:t>
-            </a:r>
-            <a:r>
-              <a:rPr lang="en-US" sz="2800" dirty="0"/>
-              <a:t>is almost entirely remotely sensible from large-scale altimeters like SWOT (unlike </a:t>
-            </a:r>
-            <a:r>
-              <a:rPr lang="en-US" sz="2800" dirty="0" err="1"/>
-              <a:t>eD</a:t>
-            </a:r>
-            <a:r>
-              <a:rPr lang="en-US" sz="2800" dirty="0"/>
-              <a:t>), opening the opportunity to indirectly remotely sense </a:t>
-            </a:r>
-            <a:r>
-              <a:rPr lang="en-US" sz="2800" i="1" dirty="0"/>
-              <a:t>k </a:t>
-            </a:r>
-            <a:r>
-              <a:rPr lang="en-US" sz="2800" dirty="0"/>
-              <a:t>with minimal unknowns</a:t>
-            </a:r>
-            <a:endParaRPr lang="en-US" sz="2800" i="1" dirty="0"/>
-          </a:p>
-          <a:p>
-            <a:endParaRPr lang="en-US" sz="2800" i="1" dirty="0"/>
-          </a:p>
-          <a:p>
-            <a:r>
-              <a:rPr lang="en-US" sz="2800" dirty="0"/>
-              <a:t>The only term in this equation we can’t RS is the unchanging portion of the channel area </a:t>
-            </a:r>
-            <a:r>
-              <a:rPr lang="en-US" sz="2800" dirty="0">
-                <a:sym typeface="Wingdings" panose="05000000000000000000" pitchFamily="2" charset="2"/>
-              </a:rPr>
-              <a:t> Bayesian inference</a:t>
-            </a:r>
-            <a:r>
-              <a:rPr lang="en-US" sz="2800" i="1" dirty="0"/>
-              <a:t> </a:t>
-            </a:r>
-            <a:endParaRPr lang="en-US" sz="2800" dirty="0">
-              <a:solidFill>
-                <a:schemeClr val="tx1"/>
-              </a:solidFill>
-            </a:endParaRPr>
-          </a:p>
-        </p:txBody>
-      </p:sp>
+      <mc:AlternateContent xmlns:mc="http://schemas.openxmlformats.org/markup-compatibility/2006">
+        <mc:Choice xmlns:a14="http://schemas.microsoft.com/office/drawing/2010/main" Requires="a14">
+          <p:sp>
+            <p:nvSpPr>
+              <p:cNvPr id="14" name="TextBox 13">
+                <a:extLst>
+                  <a:ext uri="{FF2B5EF4-FFF2-40B4-BE49-F238E27FC236}">
+                    <a16:creationId xmlns:a16="http://schemas.microsoft.com/office/drawing/2014/main" id="{943FB1D4-E131-4E89-B2DD-A7FD70AA4B77}"/>
+                  </a:ext>
+                </a:extLst>
+              </p:cNvPr>
+              <p:cNvSpPr txBox="1"/>
+              <p:nvPr/>
+            </p:nvSpPr>
+            <p:spPr>
+              <a:xfrm>
+                <a:off x="362824" y="1182231"/>
+                <a:ext cx="4544736" cy="5262979"/>
+              </a:xfrm>
+              <a:prstGeom prst="rect">
+                <a:avLst/>
+              </a:prstGeom>
+              <a:noFill/>
+            </p:spPr>
+            <p:txBody>
+              <a:bodyPr wrap="square">
+                <a:spAutoFit/>
+              </a:bodyPr>
+              <a:lstStyle/>
+              <a:p>
+                <a:r>
+                  <a:rPr lang="en-US" sz="2800" dirty="0">
+                    <a:solidFill>
+                      <a:schemeClr val="tx1"/>
+                    </a:solidFill>
+                  </a:rPr>
+                  <a:t>U</a:t>
+                </a:r>
+                <a:r>
+                  <a:rPr lang="en-US" sz="2800" baseline="-25000" dirty="0"/>
+                  <a:t>* </a:t>
+                </a:r>
+                <a:r>
+                  <a:rPr lang="en-US" sz="2800" dirty="0"/>
+                  <a:t>is almost entirely remotely sensible from large-scale altimeters like SWOT (unlike </a:t>
+                </a:r>
+                <a:r>
+                  <a:rPr lang="en-US" sz="2800" dirty="0" err="1"/>
+                  <a:t>eD</a:t>
+                </a:r>
+                <a:r>
+                  <a:rPr lang="en-US" sz="2800" dirty="0"/>
+                  <a:t>), opening the opportunity to indirectly remotely sense </a:t>
+                </a:r>
+                <a:r>
+                  <a:rPr lang="en-US" sz="2800" i="1" dirty="0"/>
+                  <a:t>k </a:t>
+                </a:r>
+                <a:r>
+                  <a:rPr lang="en-US" sz="2800" dirty="0"/>
+                  <a:t>with minimal unknowns</a:t>
+                </a:r>
+                <a:endParaRPr lang="en-US" sz="2800" i="1" dirty="0"/>
+              </a:p>
+              <a:p>
+                <a:endParaRPr lang="en-US" sz="2800" i="1" dirty="0"/>
+              </a:p>
+              <a:p>
+                <a:r>
+                  <a:rPr lang="en-US" sz="2800" dirty="0"/>
+                  <a:t>The only new term in this equation we can’t RS is the unchanging portion of the channel area</a:t>
+                </a:r>
+                <a14:m>
+                  <m:oMath xmlns:m="http://schemas.openxmlformats.org/officeDocument/2006/math">
+                    <m:sSub>
+                      <m:sSubPr>
+                        <m:ctrlPr>
+                          <a:rPr lang="en-US" sz="2800" b="0" i="1" smtClean="0">
+                            <a:latin typeface="Cambria Math" panose="02040503050406030204" pitchFamily="18" charset="0"/>
+                          </a:rPr>
+                        </m:ctrlPr>
+                      </m:sSubPr>
+                      <m:e>
+                        <m:r>
+                          <a:rPr lang="en-US" sz="2800" b="0" i="1" smtClean="0">
+                            <a:latin typeface="Cambria Math" panose="02040503050406030204" pitchFamily="18" charset="0"/>
+                          </a:rPr>
+                          <m:t>𝐴</m:t>
+                        </m:r>
+                      </m:e>
+                      <m:sub>
+                        <m:r>
+                          <a:rPr lang="en-US" sz="2800" b="0" i="1" smtClean="0">
+                            <a:latin typeface="Cambria Math" panose="02040503050406030204" pitchFamily="18" charset="0"/>
+                          </a:rPr>
+                          <m:t>0</m:t>
+                        </m:r>
+                      </m:sub>
+                    </m:sSub>
+                  </m:oMath>
+                </a14:m>
+                <a:r>
+                  <a:rPr lang="en-US" sz="2800" dirty="0"/>
+                  <a:t> </a:t>
+                </a:r>
+                <a:r>
+                  <a:rPr lang="en-US" sz="2800" dirty="0">
+                    <a:sym typeface="Wingdings" panose="05000000000000000000" pitchFamily="2" charset="2"/>
+                  </a:rPr>
+                  <a:t> Bayesian inference</a:t>
+                </a:r>
+                <a:r>
+                  <a:rPr lang="en-US" sz="2800" i="1" dirty="0"/>
+                  <a:t> </a:t>
+                </a:r>
+                <a:endParaRPr lang="en-US" sz="2800" dirty="0">
+                  <a:solidFill>
+                    <a:schemeClr val="tx1"/>
+                  </a:solidFill>
+                </a:endParaRPr>
+              </a:p>
+            </p:txBody>
+          </p:sp>
+        </mc:Choice>
+        <mc:Fallback>
+          <p:sp>
+            <p:nvSpPr>
+              <p:cNvPr id="14" name="TextBox 13">
+                <a:extLst>
+                  <a:ext uri="{FF2B5EF4-FFF2-40B4-BE49-F238E27FC236}">
+                    <a16:creationId xmlns:a16="http://schemas.microsoft.com/office/drawing/2014/main" id="{943FB1D4-E131-4E89-B2DD-A7FD70AA4B77}"/>
+                  </a:ext>
+                </a:extLst>
+              </p:cNvPr>
+              <p:cNvSpPr txBox="1">
+                <a:spLocks noRot="1" noChangeAspect="1" noMove="1" noResize="1" noEditPoints="1" noAdjustHandles="1" noChangeArrowheads="1" noChangeShapeType="1" noTextEdit="1"/>
+              </p:cNvSpPr>
+              <p:nvPr/>
+            </p:nvSpPr>
+            <p:spPr>
+              <a:xfrm>
+                <a:off x="362824" y="1182231"/>
+                <a:ext cx="4544736" cy="5262979"/>
+              </a:xfrm>
+              <a:prstGeom prst="rect">
+                <a:avLst/>
+              </a:prstGeom>
+              <a:blipFill>
+                <a:blip r:embed="rId2"/>
+                <a:stretch>
+                  <a:fillRect l="-2819" t="-1159" r="-2148" b="-2433"/>
+                </a:stretch>
+              </a:blipFill>
+            </p:spPr>
+            <p:txBody>
+              <a:bodyPr/>
+              <a:lstStyle/>
+              <a:p>
+                <a:r>
+                  <a:rPr lang="en-US">
+                    <a:noFill/>
+                  </a:rPr>
+                  <a:t> </a:t>
+                </a:r>
+              </a:p>
+            </p:txBody>
+          </p:sp>
+        </mc:Fallback>
+      </mc:AlternateContent>
       <mc:AlternateContent xmlns:mc="http://schemas.openxmlformats.org/markup-compatibility/2006" xmlns:a14="http://schemas.microsoft.com/office/drawing/2010/main">
         <mc:Choice Requires="a14">
           <p:sp>
@@ -7934,7 +9518,7 @@
                 <a:avLst/>
               </a:prstGeom>
               <a:blipFill>
-                <a:blip r:embed="rId2"/>
+                <a:blip r:embed="rId3"/>
                 <a:stretch>
                   <a:fillRect/>
                 </a:stretch>
@@ -7970,7 +9554,7 @@
           <p:nvPr/>
         </p:nvPicPr>
         <p:blipFill>
-          <a:blip r:embed="rId3">
+          <a:blip r:embed="rId4">
             <a:extLst>
               <a:ext uri="{28A0092B-C50C-407E-A947-70E740481C1C}">
                 <a14:useLocalDpi xmlns:a14="http://schemas.microsoft.com/office/drawing/2010/main" val="0"/>
@@ -7990,42 +9574,6 @@
           </a:prstGeom>
         </p:spPr>
       </p:pic>
-      <p:sp>
-        <p:nvSpPr>
-          <p:cNvPr id="8" name="TextBox 7">
-            <a:extLst>
-              <a:ext uri="{FF2B5EF4-FFF2-40B4-BE49-F238E27FC236}">
-                <a16:creationId xmlns:a16="http://schemas.microsoft.com/office/drawing/2014/main" id="{36F367EC-E40D-43BD-BC11-38D1CB811D8F}"/>
-              </a:ext>
-            </a:extLst>
-          </p:cNvPr>
-          <p:cNvSpPr txBox="1"/>
-          <p:nvPr/>
-        </p:nvSpPr>
-        <p:spPr>
-          <a:xfrm>
-            <a:off x="5643239" y="5915885"/>
-            <a:ext cx="6037318" cy="830997"/>
-          </a:xfrm>
-          <a:prstGeom prst="rect">
-            <a:avLst/>
-          </a:prstGeom>
-          <a:noFill/>
-        </p:spPr>
-        <p:txBody>
-          <a:bodyPr wrap="square">
-            <a:spAutoFit/>
-          </a:bodyPr>
-          <a:lstStyle/>
-          <a:p>
-            <a:r>
-              <a:rPr lang="en-US" sz="2400" u="sng" dirty="0"/>
-              <a:t> Rh=H generally when a river is wide enough to be seen by the SWOT satellite</a:t>
-            </a:r>
-            <a:endParaRPr lang="en-US" sz="2400" dirty="0"/>
-          </a:p>
-        </p:txBody>
-      </p:sp>
     </p:spTree>
     <p:extLst>
       <p:ext uri="{BB962C8B-B14F-4D97-AF65-F5344CB8AC3E}">
